--- a/thesis/Chuyên ngành - Nguyễn Hoàng Nhân - DA21TTA - 110121071.pptx
+++ b/thesis/Chuyên ngành - Nguyễn Hoàng Nhân - DA21TTA - 110121071.pptx
@@ -7,7 +7,7 @@
     <p:sldMasterId id="2147483732" r:id="rId3"/>
   </p:sldMasterIdLst>
   <p:notesMasterIdLst>
-    <p:notesMasterId r:id="rId19"/>
+    <p:notesMasterId r:id="rId21"/>
   </p:notesMasterIdLst>
   <p:sldIdLst>
     <p:sldId id="256" r:id="rId4"/>
@@ -19,12 +19,14 @@
     <p:sldId id="289" r:id="rId10"/>
     <p:sldId id="290" r:id="rId11"/>
     <p:sldId id="291" r:id="rId12"/>
-    <p:sldId id="292" r:id="rId13"/>
-    <p:sldId id="293" r:id="rId14"/>
-    <p:sldId id="294" r:id="rId15"/>
-    <p:sldId id="295" r:id="rId16"/>
-    <p:sldId id="296" r:id="rId17"/>
-    <p:sldId id="297" r:id="rId18"/>
+    <p:sldId id="298" r:id="rId13"/>
+    <p:sldId id="299" r:id="rId14"/>
+    <p:sldId id="292" r:id="rId15"/>
+    <p:sldId id="293" r:id="rId16"/>
+    <p:sldId id="294" r:id="rId17"/>
+    <p:sldId id="295" r:id="rId18"/>
+    <p:sldId id="296" r:id="rId19"/>
+    <p:sldId id="297" r:id="rId20"/>
   </p:sldIdLst>
   <p:sldSz cx="12192000" cy="6858000"/>
   <p:notesSz cx="6858000" cy="9144000"/>
@@ -11845,48 +11847,12 @@
           </a:p>
         </p:txBody>
       </p:sp>
-      <p:pic>
-        <p:nvPicPr>
-          <p:cNvPr id="8" name="Picture 7" descr="A black background with a black square&#10;&#10;Description automatically generated with medium confidence">
-            <a:extLst>
-              <a:ext uri="{FF2B5EF4-FFF2-40B4-BE49-F238E27FC236}">
-                <a16:creationId xmlns:a16="http://schemas.microsoft.com/office/drawing/2014/main" id="{83287448-A0EB-56D9-A6D3-9DC3A8B439A6}"/>
-              </a:ext>
-            </a:extLst>
-          </p:cNvPr>
-          <p:cNvPicPr>
-            <a:picLocks noChangeAspect="1"/>
-          </p:cNvPicPr>
-          <p:nvPr/>
-        </p:nvPicPr>
-        <p:blipFill>
-          <a:blip r:embed="rId2">
-            <a:extLst>
-              <a:ext uri="{28A0092B-C50C-407E-A947-70E740481C1C}">
-                <a14:useLocalDpi xmlns:a14="http://schemas.microsoft.com/office/drawing/2010/main" val="0"/>
-              </a:ext>
-            </a:extLst>
-          </a:blip>
-          <a:stretch>
-            <a:fillRect/>
-          </a:stretch>
-        </p:blipFill>
-        <p:spPr>
-          <a:xfrm rot="2088518">
-            <a:off x="10926159" y="190944"/>
-            <a:ext cx="1371600" cy="1371600"/>
-          </a:xfrm>
-          <a:prstGeom prst="rect">
-            <a:avLst/>
-          </a:prstGeom>
-        </p:spPr>
-      </p:pic>
-      <p:sp>
-        <p:nvSpPr>
-          <p:cNvPr id="6" name="TextBox 5">
-            <a:extLst>
-              <a:ext uri="{FF2B5EF4-FFF2-40B4-BE49-F238E27FC236}">
-                <a16:creationId xmlns:a16="http://schemas.microsoft.com/office/drawing/2014/main" id="{3386FC6C-5729-41F5-3059-3001905849F6}"/>
+      <p:sp>
+        <p:nvSpPr>
+          <p:cNvPr id="2" name="TextBox 1">
+            <a:extLst>
+              <a:ext uri="{FF2B5EF4-FFF2-40B4-BE49-F238E27FC236}">
+                <a16:creationId xmlns:a16="http://schemas.microsoft.com/office/drawing/2014/main" id="{99148382-FA64-4314-337F-9CA66D5716F0}"/>
               </a:ext>
             </a:extLst>
           </p:cNvPr>
@@ -11895,114 +11861,8 @@
         </p:nvSpPr>
         <p:spPr>
           <a:xfrm>
-            <a:off x="221267" y="-12781"/>
-            <a:ext cx="11867536" cy="890115"/>
-          </a:xfrm>
-          <a:prstGeom prst="rect">
-            <a:avLst/>
-          </a:prstGeom>
-          <a:noFill/>
-        </p:spPr>
-        <p:txBody>
-          <a:bodyPr wrap="square">
-            <a:spAutoFit/>
-          </a:bodyPr>
-          <a:lstStyle/>
-          <a:p>
-            <a:pPr marR="0" algn="ctr">
-              <a:lnSpc>
-                <a:spcPct val="150000"/>
-              </a:lnSpc>
-              <a:spcBef>
-                <a:spcPts val="0"/>
-              </a:spcBef>
-              <a:spcAft>
-                <a:spcPts val="0"/>
-              </a:spcAft>
-            </a:pPr>
-            <a:r>
-              <a:rPr lang="en-US" sz="4000" b="1">
-                <a:solidFill>
-                  <a:srgbClr val="000000"/>
-                </a:solidFill>
-                <a:latin typeface="Tahoma" panose="020B0604030504040204" pitchFamily="34" charset="0"/>
-                <a:ea typeface="Tahoma" panose="020B0604030504040204" pitchFamily="34" charset="0"/>
-                <a:cs typeface="Tahoma" panose="020B0604030504040204" pitchFamily="34" charset="0"/>
-              </a:rPr>
-              <a:t>QUÁ TRÌNH THỰC HIỆN</a:t>
-            </a:r>
-            <a:endParaRPr lang="en-US" sz="4000">
-              <a:effectLst/>
-              <a:latin typeface="Tahoma" panose="020B0604030504040204" pitchFamily="34" charset="0"/>
-              <a:ea typeface="Tahoma" panose="020B0604030504040204" pitchFamily="34" charset="0"/>
-              <a:cs typeface="Tahoma" panose="020B0604030504040204" pitchFamily="34" charset="0"/>
-            </a:endParaRPr>
-          </a:p>
-        </p:txBody>
-      </p:sp>
-      <p:pic>
-        <p:nvPicPr>
-          <p:cNvPr id="15" name="Picture 2" descr="Smartphone icon">
-            <a:extLst>
-              <a:ext uri="{FF2B5EF4-FFF2-40B4-BE49-F238E27FC236}">
-                <a16:creationId xmlns:a16="http://schemas.microsoft.com/office/drawing/2014/main" id="{6FDAF0CE-5ED1-952C-E5F8-073421CC3BB5}"/>
-              </a:ext>
-            </a:extLst>
-          </p:cNvPr>
-          <p:cNvPicPr>
-            <a:picLocks noChangeAspect="1" noChangeArrowheads="1"/>
-          </p:cNvPicPr>
-          <p:nvPr/>
-        </p:nvPicPr>
-        <p:blipFill>
-          <a:blip r:embed="rId3">
-            <a:extLst>
-              <a:ext uri="{28A0092B-C50C-407E-A947-70E740481C1C}">
-                <a14:useLocalDpi xmlns:a14="http://schemas.microsoft.com/office/drawing/2010/main" val="0"/>
-              </a:ext>
-            </a:extLst>
-          </a:blip>
-          <a:srcRect/>
-          <a:stretch>
-            <a:fillRect/>
-          </a:stretch>
-        </p:blipFill>
-        <p:spPr bwMode="auto">
-          <a:xfrm>
-            <a:off x="-34443" y="1184219"/>
-            <a:ext cx="2762865" cy="2762865"/>
-          </a:xfrm>
-          <a:prstGeom prst="rect">
-            <a:avLst/>
-          </a:prstGeom>
-          <a:noFill/>
-          <a:extLst>
-            <a:ext uri="{909E8E84-426E-40DD-AFC4-6F175D3DCCD1}">
-              <a14:hiddenFill xmlns:a14="http://schemas.microsoft.com/office/drawing/2010/main">
-                <a:solidFill>
-                  <a:srgbClr val="FFFFFF"/>
-                </a:solidFill>
-              </a14:hiddenFill>
-            </a:ext>
-          </a:extLst>
-        </p:spPr>
-      </p:pic>
-      <p:sp>
-        <p:nvSpPr>
-          <p:cNvPr id="16" name="TextBox 15">
-            <a:extLst>
-              <a:ext uri="{FF2B5EF4-FFF2-40B4-BE49-F238E27FC236}">
-                <a16:creationId xmlns:a16="http://schemas.microsoft.com/office/drawing/2014/main" id="{AD5C08D6-CEEF-6A3F-C8EB-3C9348BD8462}"/>
-              </a:ext>
-            </a:extLst>
-          </p:cNvPr>
-          <p:cNvSpPr txBox="1"/>
-          <p:nvPr/>
-        </p:nvSpPr>
-        <p:spPr>
-          <a:xfrm>
-            <a:off x="465207" y="4320950"/>
-            <a:ext cx="1799303" cy="491225"/>
+            <a:off x="546422" y="785527"/>
+            <a:ext cx="9171510" cy="890115"/>
           </a:xfrm>
           <a:prstGeom prst="rect">
             <a:avLst/>
@@ -12027,17 +11887,14 @@
               </a:spcAft>
             </a:pPr>
             <a:r>
-              <a:rPr lang="en-US" sz="2000" b="1">
-                <a:solidFill>
-                  <a:srgbClr val="000000"/>
-                </a:solidFill>
+              <a:rPr lang="en-US" sz="4000">
                 <a:latin typeface="Tahoma" panose="020B0604030504040204" pitchFamily="34" charset="0"/>
                 <a:ea typeface="Tahoma" panose="020B0604030504040204" pitchFamily="34" charset="0"/>
                 <a:cs typeface="Tahoma" panose="020B0604030504040204" pitchFamily="34" charset="0"/>
               </a:rPr>
-              <a:t>KẾ HOẠCH</a:t>
-            </a:r>
-            <a:endParaRPr lang="en-US" sz="2000">
+              <a:t>Mô hình ERD</a:t>
+            </a:r>
+            <a:endParaRPr lang="en-US" sz="4000">
               <a:effectLst/>
               <a:latin typeface="Tahoma" panose="020B0604030504040204" pitchFamily="34" charset="0"/>
               <a:ea typeface="Tahoma" panose="020B0604030504040204" pitchFamily="34" charset="0"/>
@@ -12046,499 +11903,53 @@
           </a:p>
         </p:txBody>
       </p:sp>
-      <p:sp>
-        <p:nvSpPr>
-          <p:cNvPr id="17" name="TextBox 16">
-            <a:extLst>
-              <a:ext uri="{FF2B5EF4-FFF2-40B4-BE49-F238E27FC236}">
-                <a16:creationId xmlns:a16="http://schemas.microsoft.com/office/drawing/2014/main" id="{8B3169AB-E283-CDC8-C873-3F598A4B6E51}"/>
-              </a:ext>
-            </a:extLst>
-          </p:cNvPr>
-          <p:cNvSpPr txBox="1"/>
+      <p:pic>
+        <p:nvPicPr>
+          <p:cNvPr id="8" name="Picture 7" descr="A black background with a black square&#10;&#10;Description automatically generated with medium confidence">
+            <a:extLst>
+              <a:ext uri="{FF2B5EF4-FFF2-40B4-BE49-F238E27FC236}">
+                <a16:creationId xmlns:a16="http://schemas.microsoft.com/office/drawing/2014/main" id="{8364EEDE-A300-29C3-81A3-B7C3EAB959E4}"/>
+              </a:ext>
+            </a:extLst>
+          </p:cNvPr>
+          <p:cNvPicPr>
+            <a:picLocks noChangeAspect="1"/>
+          </p:cNvPicPr>
           <p:nvPr/>
-        </p:nvSpPr>
+        </p:nvPicPr>
+        <p:blipFill>
+          <a:blip r:embed="rId2">
+            <a:extLst>
+              <a:ext uri="{28A0092B-C50C-407E-A947-70E740481C1C}">
+                <a14:useLocalDpi xmlns:a14="http://schemas.microsoft.com/office/drawing/2010/main" val="0"/>
+              </a:ext>
+            </a:extLst>
+          </a:blip>
+          <a:stretch>
+            <a:fillRect/>
+          </a:stretch>
+        </p:blipFill>
         <p:spPr>
-          <a:xfrm>
-            <a:off x="432620" y="4820685"/>
-            <a:ext cx="2330245" cy="923330"/>
+          <a:xfrm rot="2088518">
+            <a:off x="10842119" y="221172"/>
+            <a:ext cx="1128711" cy="1128711"/>
           </a:xfrm>
           <a:prstGeom prst="rect">
             <a:avLst/>
           </a:prstGeom>
-          <a:noFill/>
-        </p:spPr>
-        <p:txBody>
-          <a:bodyPr wrap="square">
-            <a:spAutoFit/>
-          </a:bodyPr>
-          <a:lstStyle/>
-          <a:p>
-            <a:pPr marR="0">
-              <a:spcBef>
-                <a:spcPts val="0"/>
-              </a:spcBef>
-              <a:spcAft>
-                <a:spcPts val="0"/>
-              </a:spcAft>
-            </a:pPr>
-            <a:r>
-              <a:rPr lang="en-US">
-                <a:effectLst/>
-                <a:latin typeface="Tahoma" panose="020B0604030504040204" pitchFamily="34" charset="0"/>
-                <a:ea typeface="Tahoma" panose="020B0604030504040204" pitchFamily="34" charset="0"/>
-                <a:cs typeface="Tahoma" panose="020B0604030504040204" pitchFamily="34" charset="0"/>
-              </a:rPr>
-              <a:t>Sắp xếp thời gian, vẽ mô hình bài toán, thiết kế cơ sở dữ liệu</a:t>
-            </a:r>
-          </a:p>
-        </p:txBody>
-      </p:sp>
-      <p:sp>
-        <p:nvSpPr>
-          <p:cNvPr id="19" name="TextBox 18">
-            <a:extLst>
-              <a:ext uri="{FF2B5EF4-FFF2-40B4-BE49-F238E27FC236}">
-                <a16:creationId xmlns:a16="http://schemas.microsoft.com/office/drawing/2014/main" id="{03E7729F-59BC-1684-2502-0DA593110531}"/>
-              </a:ext>
-            </a:extLst>
-          </p:cNvPr>
-          <p:cNvSpPr txBox="1"/>
-          <p:nvPr/>
-        </p:nvSpPr>
-        <p:spPr>
-          <a:xfrm>
-            <a:off x="2879043" y="4311395"/>
-            <a:ext cx="1799303" cy="491225"/>
-          </a:xfrm>
-          <a:prstGeom prst="rect">
-            <a:avLst/>
-          </a:prstGeom>
-          <a:noFill/>
-        </p:spPr>
-        <p:txBody>
-          <a:bodyPr wrap="square">
-            <a:spAutoFit/>
-          </a:bodyPr>
-          <a:lstStyle/>
-          <a:p>
-            <a:pPr marR="0">
-              <a:lnSpc>
-                <a:spcPct val="150000"/>
-              </a:lnSpc>
-              <a:spcBef>
-                <a:spcPts val="0"/>
-              </a:spcBef>
-              <a:spcAft>
-                <a:spcPts val="0"/>
-              </a:spcAft>
-            </a:pPr>
-            <a:r>
-              <a:rPr lang="en-US" sz="2000" b="1">
-                <a:solidFill>
-                  <a:srgbClr val="000000"/>
-                </a:solidFill>
-                <a:effectLst/>
-                <a:latin typeface="Tahoma" panose="020B0604030504040204" pitchFamily="34" charset="0"/>
-                <a:ea typeface="Tahoma" panose="020B0604030504040204" pitchFamily="34" charset="0"/>
-                <a:cs typeface="Tahoma" panose="020B0604030504040204" pitchFamily="34" charset="0"/>
-              </a:rPr>
-              <a:t>TÌM HIỂU</a:t>
-            </a:r>
-            <a:endParaRPr lang="en-US" sz="2000">
-              <a:effectLst/>
-              <a:latin typeface="Tahoma" panose="020B0604030504040204" pitchFamily="34" charset="0"/>
-              <a:ea typeface="Tahoma" panose="020B0604030504040204" pitchFamily="34" charset="0"/>
-              <a:cs typeface="Tahoma" panose="020B0604030504040204" pitchFamily="34" charset="0"/>
-            </a:endParaRPr>
-          </a:p>
-        </p:txBody>
-      </p:sp>
-      <p:sp>
-        <p:nvSpPr>
-          <p:cNvPr id="20" name="TextBox 19">
-            <a:extLst>
-              <a:ext uri="{FF2B5EF4-FFF2-40B4-BE49-F238E27FC236}">
-                <a16:creationId xmlns:a16="http://schemas.microsoft.com/office/drawing/2014/main" id="{7F0E199D-BC05-1CFC-F807-F63904891137}"/>
-              </a:ext>
-            </a:extLst>
-          </p:cNvPr>
-          <p:cNvSpPr txBox="1"/>
-          <p:nvPr/>
-        </p:nvSpPr>
-        <p:spPr>
-          <a:xfrm>
-            <a:off x="2797288" y="4820685"/>
-            <a:ext cx="2330245" cy="1200329"/>
-          </a:xfrm>
-          <a:prstGeom prst="rect">
-            <a:avLst/>
-          </a:prstGeom>
-          <a:noFill/>
-        </p:spPr>
-        <p:txBody>
-          <a:bodyPr wrap="square">
-            <a:spAutoFit/>
-          </a:bodyPr>
-          <a:lstStyle/>
-          <a:p>
-            <a:pPr marR="0">
-              <a:spcBef>
-                <a:spcPts val="0"/>
-              </a:spcBef>
-              <a:spcAft>
-                <a:spcPts val="0"/>
-              </a:spcAft>
-            </a:pPr>
-            <a:r>
-              <a:rPr lang="en-US">
-                <a:latin typeface="Tahoma" panose="020B0604030504040204" pitchFamily="34" charset="0"/>
-                <a:ea typeface="Tahoma" panose="020B0604030504040204" pitchFamily="34" charset="0"/>
-                <a:cs typeface="Tahoma" panose="020B0604030504040204" pitchFamily="34" charset="0"/>
-              </a:rPr>
-              <a:t>Tham khảo giao diện web khác, học Reactjs, Node, Docker, MySQL,…</a:t>
-            </a:r>
-            <a:endParaRPr lang="en-US">
-              <a:effectLst/>
-              <a:latin typeface="Tahoma" panose="020B0604030504040204" pitchFamily="34" charset="0"/>
-              <a:ea typeface="Tahoma" panose="020B0604030504040204" pitchFamily="34" charset="0"/>
-              <a:cs typeface="Tahoma" panose="020B0604030504040204" pitchFamily="34" charset="0"/>
-            </a:endParaRPr>
-          </a:p>
-        </p:txBody>
-      </p:sp>
-      <p:sp>
-        <p:nvSpPr>
-          <p:cNvPr id="22" name="TextBox 21">
-            <a:extLst>
-              <a:ext uri="{FF2B5EF4-FFF2-40B4-BE49-F238E27FC236}">
-                <a16:creationId xmlns:a16="http://schemas.microsoft.com/office/drawing/2014/main" id="{CE782D28-58ED-F244-E482-2326B3F0F375}"/>
-              </a:ext>
-            </a:extLst>
-          </p:cNvPr>
-          <p:cNvSpPr txBox="1"/>
-          <p:nvPr/>
-        </p:nvSpPr>
-        <p:spPr>
-          <a:xfrm>
-            <a:off x="5135565" y="4313851"/>
-            <a:ext cx="1922205" cy="491225"/>
-          </a:xfrm>
-          <a:prstGeom prst="rect">
-            <a:avLst/>
-          </a:prstGeom>
-          <a:noFill/>
-        </p:spPr>
-        <p:txBody>
-          <a:bodyPr wrap="square">
-            <a:spAutoFit/>
-          </a:bodyPr>
-          <a:lstStyle/>
-          <a:p>
-            <a:pPr marR="0">
-              <a:lnSpc>
-                <a:spcPct val="150000"/>
-              </a:lnSpc>
-              <a:spcBef>
-                <a:spcPts val="0"/>
-              </a:spcBef>
-              <a:spcAft>
-                <a:spcPts val="0"/>
-              </a:spcAft>
-            </a:pPr>
-            <a:r>
-              <a:rPr lang="en-US" sz="2000" b="1">
-                <a:solidFill>
-                  <a:srgbClr val="000000"/>
-                </a:solidFill>
-                <a:latin typeface="Tahoma" panose="020B0604030504040204" pitchFamily="34" charset="0"/>
-                <a:ea typeface="Tahoma" panose="020B0604030504040204" pitchFamily="34" charset="0"/>
-                <a:cs typeface="Tahoma" panose="020B0604030504040204" pitchFamily="34" charset="0"/>
-              </a:rPr>
-              <a:t>TRIỂN KHAI</a:t>
-            </a:r>
-            <a:endParaRPr lang="en-US" sz="2000">
-              <a:effectLst/>
-              <a:latin typeface="Tahoma" panose="020B0604030504040204" pitchFamily="34" charset="0"/>
-              <a:ea typeface="Tahoma" panose="020B0604030504040204" pitchFamily="34" charset="0"/>
-              <a:cs typeface="Tahoma" panose="020B0604030504040204" pitchFamily="34" charset="0"/>
-            </a:endParaRPr>
-          </a:p>
-        </p:txBody>
-      </p:sp>
-      <p:sp>
-        <p:nvSpPr>
-          <p:cNvPr id="23" name="TextBox 22">
-            <a:extLst>
-              <a:ext uri="{FF2B5EF4-FFF2-40B4-BE49-F238E27FC236}">
-                <a16:creationId xmlns:a16="http://schemas.microsoft.com/office/drawing/2014/main" id="{3B00E5BC-E5A7-7712-2CE1-021BDD22D8B2}"/>
-              </a:ext>
-            </a:extLst>
-          </p:cNvPr>
-          <p:cNvSpPr txBox="1"/>
-          <p:nvPr/>
-        </p:nvSpPr>
-        <p:spPr>
-          <a:xfrm>
-            <a:off x="5152124" y="4808394"/>
-            <a:ext cx="2330245" cy="923330"/>
-          </a:xfrm>
-          <a:prstGeom prst="rect">
-            <a:avLst/>
-          </a:prstGeom>
-          <a:noFill/>
-        </p:spPr>
-        <p:txBody>
-          <a:bodyPr wrap="square">
-            <a:spAutoFit/>
-          </a:bodyPr>
-          <a:lstStyle/>
-          <a:p>
-            <a:pPr marR="0">
-              <a:spcBef>
-                <a:spcPts val="0"/>
-              </a:spcBef>
-              <a:spcAft>
-                <a:spcPts val="0"/>
-              </a:spcAft>
-            </a:pPr>
-            <a:r>
-              <a:rPr lang="en-US">
-                <a:effectLst/>
-                <a:latin typeface="Tahoma" panose="020B0604030504040204" pitchFamily="34" charset="0"/>
-                <a:ea typeface="Tahoma" panose="020B0604030504040204" pitchFamily="34" charset="0"/>
-                <a:cs typeface="Tahoma" panose="020B0604030504040204" pitchFamily="34" charset="0"/>
-              </a:rPr>
-              <a:t>Thiết kế giao diện quản trị viên, người dùng</a:t>
-            </a:r>
-          </a:p>
-        </p:txBody>
-      </p:sp>
-      <p:sp>
-        <p:nvSpPr>
-          <p:cNvPr id="25" name="TextBox 24">
-            <a:extLst>
-              <a:ext uri="{FF2B5EF4-FFF2-40B4-BE49-F238E27FC236}">
-                <a16:creationId xmlns:a16="http://schemas.microsoft.com/office/drawing/2014/main" id="{7F56B8B6-DAF8-FAAA-2918-08BF7894DC2E}"/>
-              </a:ext>
-            </a:extLst>
-          </p:cNvPr>
-          <p:cNvSpPr txBox="1"/>
-          <p:nvPr/>
-        </p:nvSpPr>
-        <p:spPr>
-          <a:xfrm>
-            <a:off x="7605907" y="4311395"/>
-            <a:ext cx="1799303" cy="491225"/>
-          </a:xfrm>
-          <a:prstGeom prst="rect">
-            <a:avLst/>
-          </a:prstGeom>
-          <a:noFill/>
-        </p:spPr>
-        <p:txBody>
-          <a:bodyPr wrap="square">
-            <a:spAutoFit/>
-          </a:bodyPr>
-          <a:lstStyle/>
-          <a:p>
-            <a:pPr marR="0">
-              <a:lnSpc>
-                <a:spcPct val="150000"/>
-              </a:lnSpc>
-              <a:spcBef>
-                <a:spcPts val="0"/>
-              </a:spcBef>
-              <a:spcAft>
-                <a:spcPts val="0"/>
-              </a:spcAft>
-            </a:pPr>
-            <a:r>
-              <a:rPr lang="en-US" sz="2000" b="1">
-                <a:solidFill>
-                  <a:srgbClr val="000000"/>
-                </a:solidFill>
-                <a:latin typeface="Tahoma" panose="020B0604030504040204" pitchFamily="34" charset="0"/>
-                <a:ea typeface="Tahoma" panose="020B0604030504040204" pitchFamily="34" charset="0"/>
-                <a:cs typeface="Tahoma" panose="020B0604030504040204" pitchFamily="34" charset="0"/>
-              </a:rPr>
-              <a:t>KIỂM THỬ</a:t>
-            </a:r>
-            <a:endParaRPr lang="en-US" sz="2000">
-              <a:effectLst/>
-              <a:latin typeface="Tahoma" panose="020B0604030504040204" pitchFamily="34" charset="0"/>
-              <a:ea typeface="Tahoma" panose="020B0604030504040204" pitchFamily="34" charset="0"/>
-              <a:cs typeface="Tahoma" panose="020B0604030504040204" pitchFamily="34" charset="0"/>
-            </a:endParaRPr>
-          </a:p>
-        </p:txBody>
-      </p:sp>
-      <p:sp>
-        <p:nvSpPr>
-          <p:cNvPr id="26" name="TextBox 25">
-            <a:extLst>
-              <a:ext uri="{FF2B5EF4-FFF2-40B4-BE49-F238E27FC236}">
-                <a16:creationId xmlns:a16="http://schemas.microsoft.com/office/drawing/2014/main" id="{5819C134-50CF-FE42-C084-46122E509CA1}"/>
-              </a:ext>
-            </a:extLst>
-          </p:cNvPr>
-          <p:cNvSpPr txBox="1"/>
-          <p:nvPr/>
-        </p:nvSpPr>
-        <p:spPr>
-          <a:xfrm>
-            <a:off x="7541362" y="4818226"/>
-            <a:ext cx="2330245" cy="646331"/>
-          </a:xfrm>
-          <a:prstGeom prst="rect">
-            <a:avLst/>
-          </a:prstGeom>
-          <a:noFill/>
-        </p:spPr>
-        <p:txBody>
-          <a:bodyPr wrap="square">
-            <a:spAutoFit/>
-          </a:bodyPr>
-          <a:lstStyle/>
-          <a:p>
-            <a:pPr marR="0">
-              <a:spcBef>
-                <a:spcPts val="0"/>
-              </a:spcBef>
-              <a:spcAft>
-                <a:spcPts val="0"/>
-              </a:spcAft>
-            </a:pPr>
-            <a:r>
-              <a:rPr lang="en-US">
-                <a:effectLst/>
-                <a:latin typeface="Tahoma" panose="020B0604030504040204" pitchFamily="34" charset="0"/>
-                <a:ea typeface="Tahoma" panose="020B0604030504040204" pitchFamily="34" charset="0"/>
-                <a:cs typeface="Tahoma" panose="020B0604030504040204" pitchFamily="34" charset="0"/>
-              </a:rPr>
-              <a:t>Tiến hành kiểm tra, chạy thử, sửa lỗi,…</a:t>
-            </a:r>
-          </a:p>
-        </p:txBody>
-      </p:sp>
-      <p:sp>
-        <p:nvSpPr>
-          <p:cNvPr id="28" name="TextBox 27">
-            <a:extLst>
-              <a:ext uri="{FF2B5EF4-FFF2-40B4-BE49-F238E27FC236}">
-                <a16:creationId xmlns:a16="http://schemas.microsoft.com/office/drawing/2014/main" id="{B0AA369C-B005-F231-9327-BBD4ABFE727D}"/>
-              </a:ext>
-            </a:extLst>
-          </p:cNvPr>
-          <p:cNvSpPr txBox="1"/>
-          <p:nvPr/>
-        </p:nvSpPr>
-        <p:spPr>
-          <a:xfrm>
-            <a:off x="9702658" y="4315684"/>
-            <a:ext cx="2276168" cy="491225"/>
-          </a:xfrm>
-          <a:prstGeom prst="rect">
-            <a:avLst/>
-          </a:prstGeom>
-          <a:noFill/>
-        </p:spPr>
-        <p:txBody>
-          <a:bodyPr wrap="square">
-            <a:spAutoFit/>
-          </a:bodyPr>
-          <a:lstStyle/>
-          <a:p>
-            <a:pPr marR="0" algn="ctr">
-              <a:lnSpc>
-                <a:spcPct val="150000"/>
-              </a:lnSpc>
-              <a:spcBef>
-                <a:spcPts val="0"/>
-              </a:spcBef>
-              <a:spcAft>
-                <a:spcPts val="0"/>
-              </a:spcAft>
-            </a:pPr>
-            <a:r>
-              <a:rPr lang="en-US" sz="2000" b="1">
-                <a:solidFill>
-                  <a:srgbClr val="000000"/>
-                </a:solidFill>
-                <a:latin typeface="Tahoma" panose="020B0604030504040204" pitchFamily="34" charset="0"/>
-                <a:ea typeface="Tahoma" panose="020B0604030504040204" pitchFamily="34" charset="0"/>
-                <a:cs typeface="Tahoma" panose="020B0604030504040204" pitchFamily="34" charset="0"/>
-              </a:rPr>
-              <a:t>HOÀN THÀNH</a:t>
-            </a:r>
-            <a:endParaRPr lang="en-US" sz="2000">
-              <a:effectLst/>
-              <a:latin typeface="Tahoma" panose="020B0604030504040204" pitchFamily="34" charset="0"/>
-              <a:ea typeface="Tahoma" panose="020B0604030504040204" pitchFamily="34" charset="0"/>
-              <a:cs typeface="Tahoma" panose="020B0604030504040204" pitchFamily="34" charset="0"/>
-            </a:endParaRPr>
-          </a:p>
-        </p:txBody>
-      </p:sp>
-      <p:sp>
-        <p:nvSpPr>
-          <p:cNvPr id="29" name="TextBox 28">
-            <a:extLst>
-              <a:ext uri="{FF2B5EF4-FFF2-40B4-BE49-F238E27FC236}">
-                <a16:creationId xmlns:a16="http://schemas.microsoft.com/office/drawing/2014/main" id="{49445860-B35A-923E-6F9F-4AFDAAE21D23}"/>
-              </a:ext>
-            </a:extLst>
-          </p:cNvPr>
-          <p:cNvSpPr txBox="1"/>
-          <p:nvPr/>
-        </p:nvSpPr>
-        <p:spPr>
-          <a:xfrm>
-            <a:off x="9896198" y="4825601"/>
-            <a:ext cx="2330245" cy="646331"/>
-          </a:xfrm>
-          <a:prstGeom prst="rect">
-            <a:avLst/>
-          </a:prstGeom>
-          <a:noFill/>
-        </p:spPr>
-        <p:txBody>
-          <a:bodyPr wrap="square">
-            <a:spAutoFit/>
-          </a:bodyPr>
-          <a:lstStyle/>
-          <a:p>
-            <a:pPr marR="0">
-              <a:spcBef>
-                <a:spcPts val="0"/>
-              </a:spcBef>
-              <a:spcAft>
-                <a:spcPts val="0"/>
-              </a:spcAft>
-            </a:pPr>
-            <a:r>
-              <a:rPr lang="en-US">
-                <a:effectLst/>
-                <a:latin typeface="Tahoma" panose="020B0604030504040204" pitchFamily="34" charset="0"/>
-                <a:ea typeface="Tahoma" panose="020B0604030504040204" pitchFamily="34" charset="0"/>
-                <a:cs typeface="Tahoma" panose="020B0604030504040204" pitchFamily="34" charset="0"/>
-              </a:rPr>
-              <a:t>Hoàn thành các chức năng của website</a:t>
-            </a:r>
-          </a:p>
-        </p:txBody>
-      </p:sp>
+        </p:spPr>
+      </p:pic>
       <p:pic>
         <p:nvPicPr>
-          <p:cNvPr id="31" name="Picture 2" descr="Smartphone icon">
-            <a:extLst>
-              <a:ext uri="{FF2B5EF4-FFF2-40B4-BE49-F238E27FC236}">
-                <a16:creationId xmlns:a16="http://schemas.microsoft.com/office/drawing/2014/main" id="{863274B8-2E6F-56A5-F17F-D625E6464306}"/>
+          <p:cNvPr id="3" name="Picture 2">
+            <a:extLst>
+              <a:ext uri="{FF2B5EF4-FFF2-40B4-BE49-F238E27FC236}">
+                <a16:creationId xmlns:a16="http://schemas.microsoft.com/office/drawing/2014/main" id="{1E1DE5B4-4F03-23F9-B5F1-0A11719EAD92}"/>
               </a:ext>
             </a:extLst>
           </p:cNvPr>
           <p:cNvPicPr>
-            <a:picLocks noChangeAspect="1" noChangeArrowheads="1"/>
+            <a:picLocks noChangeAspect="1"/>
           </p:cNvPicPr>
           <p:nvPr/>
         </p:nvPicPr>
@@ -12557,404 +11968,22 @@
         </p:blipFill>
         <p:spPr bwMode="auto">
           <a:xfrm>
-            <a:off x="2330225" y="1184219"/>
-            <a:ext cx="2762865" cy="2762865"/>
+            <a:off x="1274900" y="1878552"/>
+            <a:ext cx="9642199" cy="4477798"/>
           </a:xfrm>
           <a:prstGeom prst="rect">
             <a:avLst/>
           </a:prstGeom>
           <a:noFill/>
-          <a:extLst>
-            <a:ext uri="{909E8E84-426E-40DD-AFC4-6F175D3DCCD1}">
-              <a14:hiddenFill xmlns:a14="http://schemas.microsoft.com/office/drawing/2010/main">
-                <a:solidFill>
-                  <a:srgbClr val="FFFFFF"/>
-                </a:solidFill>
-              </a14:hiddenFill>
-            </a:ext>
-          </a:extLst>
-        </p:spPr>
-      </p:pic>
-      <p:pic>
-        <p:nvPicPr>
-          <p:cNvPr id="33" name="Picture 2" descr="Smartphone icon">
-            <a:extLst>
-              <a:ext uri="{FF2B5EF4-FFF2-40B4-BE49-F238E27FC236}">
-                <a16:creationId xmlns:a16="http://schemas.microsoft.com/office/drawing/2014/main" id="{87F02EC6-B057-9A33-C3C5-8D8BF0836FE6}"/>
-              </a:ext>
-            </a:extLst>
-          </p:cNvPr>
-          <p:cNvPicPr>
-            <a:picLocks noChangeAspect="1" noChangeArrowheads="1"/>
-          </p:cNvPicPr>
-          <p:nvPr/>
-        </p:nvPicPr>
-        <p:blipFill>
-          <a:blip r:embed="rId3">
-            <a:extLst>
-              <a:ext uri="{28A0092B-C50C-407E-A947-70E740481C1C}">
-                <a14:useLocalDpi xmlns:a14="http://schemas.microsoft.com/office/drawing/2010/main" val="0"/>
-              </a:ext>
-            </a:extLst>
-          </a:blip>
-          <a:srcRect/>
-          <a:stretch>
-            <a:fillRect/>
-          </a:stretch>
-        </p:blipFill>
-        <p:spPr bwMode="auto">
-          <a:xfrm>
-            <a:off x="4685061" y="1171928"/>
-            <a:ext cx="2762865" cy="2762865"/>
-          </a:xfrm>
-          <a:prstGeom prst="rect">
-            <a:avLst/>
-          </a:prstGeom>
-          <a:noFill/>
-          <a:extLst>
-            <a:ext uri="{909E8E84-426E-40DD-AFC4-6F175D3DCCD1}">
-              <a14:hiddenFill xmlns:a14="http://schemas.microsoft.com/office/drawing/2010/main">
-                <a:solidFill>
-                  <a:srgbClr val="FFFFFF"/>
-                </a:solidFill>
-              </a14:hiddenFill>
-            </a:ext>
-          </a:extLst>
-        </p:spPr>
-      </p:pic>
-      <p:pic>
-        <p:nvPicPr>
-          <p:cNvPr id="6150" name="Picture 6" descr="Coder, computer, programmer icon - Download on Iconfinder">
-            <a:extLst>
-              <a:ext uri="{FF2B5EF4-FFF2-40B4-BE49-F238E27FC236}">
-                <a16:creationId xmlns:a16="http://schemas.microsoft.com/office/drawing/2014/main" id="{73019B57-5872-5EA2-702D-4E5967F44CEA}"/>
-              </a:ext>
-            </a:extLst>
-          </p:cNvPr>
-          <p:cNvPicPr>
-            <a:picLocks noChangeAspect="1" noChangeArrowheads="1"/>
-          </p:cNvPicPr>
-          <p:nvPr/>
-        </p:nvPicPr>
-        <p:blipFill>
-          <a:blip r:embed="rId4">
-            <a:extLst>
-              <a:ext uri="{28A0092B-C50C-407E-A947-70E740481C1C}">
-                <a14:useLocalDpi xmlns:a14="http://schemas.microsoft.com/office/drawing/2010/main" val="0"/>
-              </a:ext>
-            </a:extLst>
-          </a:blip>
-          <a:srcRect/>
-          <a:stretch>
-            <a:fillRect/>
-          </a:stretch>
-        </p:blipFill>
-        <p:spPr bwMode="auto">
-          <a:xfrm>
-            <a:off x="5484747" y="1900503"/>
-            <a:ext cx="1148346" cy="1238124"/>
-          </a:xfrm>
-          <a:prstGeom prst="rect">
-            <a:avLst/>
-          </a:prstGeom>
-          <a:noFill/>
-          <a:extLst>
-            <a:ext uri="{909E8E84-426E-40DD-AFC4-6F175D3DCCD1}">
-              <a14:hiddenFill xmlns:a14="http://schemas.microsoft.com/office/drawing/2010/main">
-                <a:solidFill>
-                  <a:srgbClr val="FFFFFF"/>
-                </a:solidFill>
-              </a14:hiddenFill>
-            </a:ext>
-          </a:extLst>
-        </p:spPr>
-      </p:pic>
-      <p:pic>
-        <p:nvPicPr>
-          <p:cNvPr id="34" name="Picture 2" descr="Smartphone icon">
-            <a:extLst>
-              <a:ext uri="{FF2B5EF4-FFF2-40B4-BE49-F238E27FC236}">
-                <a16:creationId xmlns:a16="http://schemas.microsoft.com/office/drawing/2014/main" id="{BB1B0A86-198E-10CE-33F7-9CE4E697F169}"/>
-              </a:ext>
-            </a:extLst>
-          </p:cNvPr>
-          <p:cNvPicPr>
-            <a:picLocks noChangeAspect="1" noChangeArrowheads="1"/>
-          </p:cNvPicPr>
-          <p:nvPr/>
-        </p:nvPicPr>
-        <p:blipFill>
-          <a:blip r:embed="rId3">
-            <a:extLst>
-              <a:ext uri="{28A0092B-C50C-407E-A947-70E740481C1C}">
-                <a14:useLocalDpi xmlns:a14="http://schemas.microsoft.com/office/drawing/2010/main" val="0"/>
-              </a:ext>
-            </a:extLst>
-          </a:blip>
-          <a:srcRect/>
-          <a:stretch>
-            <a:fillRect/>
-          </a:stretch>
-        </p:blipFill>
-        <p:spPr bwMode="auto">
-          <a:xfrm>
-            <a:off x="7074299" y="1181760"/>
-            <a:ext cx="2762865" cy="2762865"/>
-          </a:xfrm>
-          <a:prstGeom prst="rect">
-            <a:avLst/>
-          </a:prstGeom>
-          <a:noFill/>
-          <a:extLst>
-            <a:ext uri="{909E8E84-426E-40DD-AFC4-6F175D3DCCD1}">
-              <a14:hiddenFill xmlns:a14="http://schemas.microsoft.com/office/drawing/2010/main">
-                <a:solidFill>
-                  <a:srgbClr val="FFFFFF"/>
-                </a:solidFill>
-              </a14:hiddenFill>
-            </a:ext>
-          </a:extLst>
-        </p:spPr>
-      </p:pic>
-      <p:pic>
-        <p:nvPicPr>
-          <p:cNvPr id="35" name="Picture 2" descr="Smartphone icon">
-            <a:extLst>
-              <a:ext uri="{FF2B5EF4-FFF2-40B4-BE49-F238E27FC236}">
-                <a16:creationId xmlns:a16="http://schemas.microsoft.com/office/drawing/2014/main" id="{30DBCF31-5350-4F91-6F11-FA6CC98B6EFC}"/>
-              </a:ext>
-            </a:extLst>
-          </p:cNvPr>
-          <p:cNvPicPr>
-            <a:picLocks noChangeAspect="1" noChangeArrowheads="1"/>
-          </p:cNvPicPr>
-          <p:nvPr/>
-        </p:nvPicPr>
-        <p:blipFill>
-          <a:blip r:embed="rId3">
-            <a:extLst>
-              <a:ext uri="{28A0092B-C50C-407E-A947-70E740481C1C}">
-                <a14:useLocalDpi xmlns:a14="http://schemas.microsoft.com/office/drawing/2010/main" val="0"/>
-              </a:ext>
-            </a:extLst>
-          </a:blip>
-          <a:srcRect/>
-          <a:stretch>
-            <a:fillRect/>
-          </a:stretch>
-        </p:blipFill>
-        <p:spPr bwMode="auto">
-          <a:xfrm>
-            <a:off x="9429135" y="1189135"/>
-            <a:ext cx="2762865" cy="2762865"/>
-          </a:xfrm>
-          <a:prstGeom prst="rect">
-            <a:avLst/>
-          </a:prstGeom>
-          <a:noFill/>
-          <a:extLst>
-            <a:ext uri="{909E8E84-426E-40DD-AFC4-6F175D3DCCD1}">
-              <a14:hiddenFill xmlns:a14="http://schemas.microsoft.com/office/drawing/2010/main">
-                <a:solidFill>
-                  <a:srgbClr val="FFFFFF"/>
-                </a:solidFill>
-              </a14:hiddenFill>
-            </a:ext>
-          </a:extLst>
-        </p:spPr>
-      </p:pic>
-      <p:pic>
-        <p:nvPicPr>
-          <p:cNvPr id="6152" name="Picture 8" descr="Test icons for free download | Freepik">
-            <a:extLst>
-              <a:ext uri="{FF2B5EF4-FFF2-40B4-BE49-F238E27FC236}">
-                <a16:creationId xmlns:a16="http://schemas.microsoft.com/office/drawing/2014/main" id="{C60DECC6-EAA3-59E8-0239-AF4F6FD91C81}"/>
-              </a:ext>
-            </a:extLst>
-          </p:cNvPr>
-          <p:cNvPicPr>
-            <a:picLocks noChangeAspect="1" noChangeArrowheads="1"/>
-          </p:cNvPicPr>
-          <p:nvPr/>
-        </p:nvPicPr>
-        <p:blipFill>
-          <a:blip r:embed="rId5">
-            <a:extLst>
-              <a:ext uri="{28A0092B-C50C-407E-A947-70E740481C1C}">
-                <a14:useLocalDpi xmlns:a14="http://schemas.microsoft.com/office/drawing/2010/main" val="0"/>
-              </a:ext>
-            </a:extLst>
-          </a:blip>
-          <a:srcRect/>
-          <a:stretch>
-            <a:fillRect/>
-          </a:stretch>
-        </p:blipFill>
-        <p:spPr bwMode="auto">
-          <a:xfrm>
-            <a:off x="7889132" y="2022093"/>
-            <a:ext cx="1173531" cy="1096947"/>
-          </a:xfrm>
-          <a:prstGeom prst="rect">
-            <a:avLst/>
-          </a:prstGeom>
-          <a:noFill/>
-          <a:extLst>
-            <a:ext uri="{909E8E84-426E-40DD-AFC4-6F175D3DCCD1}">
-              <a14:hiddenFill xmlns:a14="http://schemas.microsoft.com/office/drawing/2010/main">
-                <a:solidFill>
-                  <a:srgbClr val="FFFFFF"/>
-                </a:solidFill>
-              </a14:hiddenFill>
-            </a:ext>
-          </a:extLst>
-        </p:spPr>
-      </p:pic>
-      <p:pic>
-        <p:nvPicPr>
-          <p:cNvPr id="6154" name="Picture 10" descr="Hình ảnh Tìm Ra Biểu Tượng Dòng Vectơ PNG , Tìm Hiểu Biểu Tượng, Tìm Ra,  Kính Lúp PNG và Vector với nền trong suốt để tải xuống miễn phí">
-            <a:extLst>
-              <a:ext uri="{FF2B5EF4-FFF2-40B4-BE49-F238E27FC236}">
-                <a16:creationId xmlns:a16="http://schemas.microsoft.com/office/drawing/2014/main" id="{8EC1276A-B62F-604C-6D51-EA52CC3DF795}"/>
-              </a:ext>
-            </a:extLst>
-          </p:cNvPr>
-          <p:cNvPicPr>
-            <a:picLocks noChangeAspect="1" noChangeArrowheads="1"/>
-          </p:cNvPicPr>
-          <p:nvPr/>
-        </p:nvPicPr>
-        <p:blipFill>
-          <a:blip r:embed="rId6">
-            <a:extLst>
-              <a:ext uri="{28A0092B-C50C-407E-A947-70E740481C1C}">
-                <a14:useLocalDpi xmlns:a14="http://schemas.microsoft.com/office/drawing/2010/main" val="0"/>
-              </a:ext>
-            </a:extLst>
-          </a:blip>
-          <a:srcRect/>
-          <a:stretch>
-            <a:fillRect/>
-          </a:stretch>
-        </p:blipFill>
-        <p:spPr bwMode="auto">
-          <a:xfrm>
-            <a:off x="3164861" y="1854288"/>
-            <a:ext cx="1432555" cy="1432555"/>
-          </a:xfrm>
-          <a:prstGeom prst="rect">
-            <a:avLst/>
-          </a:prstGeom>
-          <a:noFill/>
-          <a:extLst>
-            <a:ext uri="{909E8E84-426E-40DD-AFC4-6F175D3DCCD1}">
-              <a14:hiddenFill xmlns:a14="http://schemas.microsoft.com/office/drawing/2010/main">
-                <a:solidFill>
-                  <a:srgbClr val="FFFFFF"/>
-                </a:solidFill>
-              </a14:hiddenFill>
-            </a:ext>
-          </a:extLst>
-        </p:spPr>
-      </p:pic>
-      <p:pic>
-        <p:nvPicPr>
-          <p:cNvPr id="6156" name="Picture 12" descr="Hình ảnh Biểu Tượng Kế Hoạch Vẽ Tay Danh Sách Việc Cần Làm Lập Kế Hoạch Dự  án Thông Báo Quản Lý Sổ Ghi Chép Vectơ PNG , Sổ Tay, Ban Quản">
-            <a:extLst>
-              <a:ext uri="{FF2B5EF4-FFF2-40B4-BE49-F238E27FC236}">
-                <a16:creationId xmlns:a16="http://schemas.microsoft.com/office/drawing/2014/main" id="{05656194-D2DD-2485-5966-309CD2AFC800}"/>
-              </a:ext>
-            </a:extLst>
-          </p:cNvPr>
-          <p:cNvPicPr>
-            <a:picLocks noChangeAspect="1" noChangeArrowheads="1"/>
-          </p:cNvPicPr>
-          <p:nvPr/>
-        </p:nvPicPr>
-        <p:blipFill>
-          <a:blip r:embed="rId7">
-            <a:extLst>
-              <a:ext uri="{28A0092B-C50C-407E-A947-70E740481C1C}">
-                <a14:useLocalDpi xmlns:a14="http://schemas.microsoft.com/office/drawing/2010/main" val="0"/>
-              </a:ext>
-            </a:extLst>
-          </a:blip>
-          <a:srcRect/>
-          <a:stretch>
-            <a:fillRect/>
-          </a:stretch>
-        </p:blipFill>
-        <p:spPr bwMode="auto">
-          <a:xfrm>
-            <a:off x="775623" y="1773551"/>
-            <a:ext cx="1180078" cy="1559617"/>
-          </a:xfrm>
-          <a:prstGeom prst="rect">
-            <a:avLst/>
-          </a:prstGeom>
-          <a:noFill/>
-          <a:extLst>
-            <a:ext uri="{909E8E84-426E-40DD-AFC4-6F175D3DCCD1}">
-              <a14:hiddenFill xmlns:a14="http://schemas.microsoft.com/office/drawing/2010/main">
-                <a:solidFill>
-                  <a:srgbClr val="FFFFFF"/>
-                </a:solidFill>
-              </a14:hiddenFill>
-            </a:ext>
-          </a:extLst>
-        </p:spPr>
-      </p:pic>
-      <p:pic>
-        <p:nvPicPr>
-          <p:cNvPr id="6158" name="Picture 14" descr="Task-Complete Icons - Free SVG &amp; PNG Task-Complete Images - Noun Project">
-            <a:extLst>
-              <a:ext uri="{FF2B5EF4-FFF2-40B4-BE49-F238E27FC236}">
-                <a16:creationId xmlns:a16="http://schemas.microsoft.com/office/drawing/2014/main" id="{D5FDB267-572B-7390-0CE9-B684D777A3FA}"/>
-              </a:ext>
-            </a:extLst>
-          </p:cNvPr>
-          <p:cNvPicPr>
-            <a:picLocks noChangeAspect="1" noChangeArrowheads="1"/>
-          </p:cNvPicPr>
-          <p:nvPr/>
-        </p:nvPicPr>
-        <p:blipFill>
-          <a:blip r:embed="rId8">
-            <a:extLst>
-              <a:ext uri="{28A0092B-C50C-407E-A947-70E740481C1C}">
-                <a14:useLocalDpi xmlns:a14="http://schemas.microsoft.com/office/drawing/2010/main" val="0"/>
-              </a:ext>
-            </a:extLst>
-          </a:blip>
-          <a:srcRect/>
-          <a:stretch>
-            <a:fillRect/>
-          </a:stretch>
-        </p:blipFill>
-        <p:spPr bwMode="auto">
-          <a:xfrm>
-            <a:off x="10131393" y="1900503"/>
-            <a:ext cx="1425067" cy="1425067"/>
-          </a:xfrm>
-          <a:prstGeom prst="rect">
-            <a:avLst/>
-          </a:prstGeom>
-          <a:noFill/>
-          <a:extLst>
-            <a:ext uri="{909E8E84-426E-40DD-AFC4-6F175D3DCCD1}">
-              <a14:hiddenFill xmlns:a14="http://schemas.microsoft.com/office/drawing/2010/main">
-                <a:solidFill>
-                  <a:srgbClr val="FFFFFF"/>
-                </a:solidFill>
-              </a14:hiddenFill>
-            </a:ext>
-          </a:extLst>
+          <a:ln>
+            <a:noFill/>
+          </a:ln>
         </p:spPr>
       </p:pic>
     </p:spTree>
     <p:extLst>
       <p:ext uri="{BB962C8B-B14F-4D97-AF65-F5344CB8AC3E}">
-        <p14:creationId xmlns:p14="http://schemas.microsoft.com/office/powerpoint/2010/main" val="363600022"/>
+        <p14:creationId xmlns:p14="http://schemas.microsoft.com/office/powerpoint/2010/main" val="218975905"/>
       </p:ext>
     </p:extLst>
   </p:cSld>
@@ -13097,15 +12126,12 @@
               </a:spcAft>
             </a:pPr>
             <a:r>
-              <a:rPr lang="en-US" sz="4000" b="1">
-                <a:solidFill>
-                  <a:srgbClr val="000000"/>
-                </a:solidFill>
+              <a:rPr lang="en-US" sz="4000">
                 <a:latin typeface="Tahoma" panose="020B0604030504040204" pitchFamily="34" charset="0"/>
                 <a:ea typeface="Tahoma" panose="020B0604030504040204" pitchFamily="34" charset="0"/>
                 <a:cs typeface="Tahoma" panose="020B0604030504040204" pitchFamily="34" charset="0"/>
               </a:rPr>
-              <a:t>V. KẾT LUẬN</a:t>
+              <a:t>Mô hình vật lý</a:t>
             </a:r>
             <a:endParaRPr lang="en-US" sz="4000">
               <a:effectLst/>
@@ -13118,53 +12144,6 @@
       </p:sp>
       <p:pic>
         <p:nvPicPr>
-          <p:cNvPr id="6" name="Picture 2" descr="Conclusion - Free technology icons">
-            <a:extLst>
-              <a:ext uri="{FF2B5EF4-FFF2-40B4-BE49-F238E27FC236}">
-                <a16:creationId xmlns:a16="http://schemas.microsoft.com/office/drawing/2014/main" id="{E6175996-BEB9-7081-FAEC-9A15634FF4A9}"/>
-              </a:ext>
-            </a:extLst>
-          </p:cNvPr>
-          <p:cNvPicPr>
-            <a:picLocks noChangeAspect="1" noChangeArrowheads="1"/>
-          </p:cNvPicPr>
-          <p:nvPr/>
-        </p:nvPicPr>
-        <p:blipFill>
-          <a:blip r:embed="rId2">
-            <a:extLst>
-              <a:ext uri="{28A0092B-C50C-407E-A947-70E740481C1C}">
-                <a14:useLocalDpi xmlns:a14="http://schemas.microsoft.com/office/drawing/2010/main" val="0"/>
-              </a:ext>
-            </a:extLst>
-          </a:blip>
-          <a:srcRect/>
-          <a:stretch>
-            <a:fillRect/>
-          </a:stretch>
-        </p:blipFill>
-        <p:spPr bwMode="auto">
-          <a:xfrm>
-            <a:off x="5132177" y="1847734"/>
-            <a:ext cx="2372384" cy="2372384"/>
-          </a:xfrm>
-          <a:prstGeom prst="rect">
-            <a:avLst/>
-          </a:prstGeom>
-          <a:noFill/>
-          <a:extLst>
-            <a:ext uri="{909E8E84-426E-40DD-AFC4-6F175D3DCCD1}">
-              <a14:hiddenFill xmlns:a14="http://schemas.microsoft.com/office/drawing/2010/main">
-                <a:solidFill>
-                  <a:srgbClr val="FFFFFF"/>
-                </a:solidFill>
-              </a14:hiddenFill>
-            </a:ext>
-          </a:extLst>
-        </p:spPr>
-      </p:pic>
-      <p:pic>
-        <p:nvPicPr>
           <p:cNvPr id="8" name="Picture 7" descr="A black background with a black square&#10;&#10;Description automatically generated with medium confidence">
             <a:extLst>
               <a:ext uri="{FF2B5EF4-FFF2-40B4-BE49-F238E27FC236}">
@@ -13178,7 +12157,7 @@
           <p:nvPr/>
         </p:nvPicPr>
         <p:blipFill>
-          <a:blip r:embed="rId3">
+          <a:blip r:embed="rId2">
             <a:extLst>
               <a:ext uri="{28A0092B-C50C-407E-A947-70E740481C1C}">
                 <a14:useLocalDpi xmlns:a14="http://schemas.microsoft.com/office/drawing/2010/main" val="0"/>
@@ -13199,10 +12178,51 @@
           </a:prstGeom>
         </p:spPr>
       </p:pic>
+      <p:pic>
+        <p:nvPicPr>
+          <p:cNvPr id="3" name="Picture 2">
+            <a:extLst>
+              <a:ext uri="{FF2B5EF4-FFF2-40B4-BE49-F238E27FC236}">
+                <a16:creationId xmlns:a16="http://schemas.microsoft.com/office/drawing/2014/main" id="{98EE67B8-3DD8-7C2B-93DE-F3F42F9D6B71}"/>
+              </a:ext>
+            </a:extLst>
+          </p:cNvPr>
+          <p:cNvPicPr>
+            <a:picLocks noChangeAspect="1"/>
+          </p:cNvPicPr>
+          <p:nvPr/>
+        </p:nvPicPr>
+        <p:blipFill>
+          <a:blip r:embed="rId3">
+            <a:extLst>
+              <a:ext uri="{28A0092B-C50C-407E-A947-70E740481C1C}">
+                <a14:useLocalDpi xmlns:a14="http://schemas.microsoft.com/office/drawing/2010/main" val="0"/>
+              </a:ext>
+            </a:extLst>
+          </a:blip>
+          <a:srcRect/>
+          <a:stretch>
+            <a:fillRect/>
+          </a:stretch>
+        </p:blipFill>
+        <p:spPr bwMode="auto">
+          <a:xfrm>
+            <a:off x="1510245" y="1955596"/>
+            <a:ext cx="9171510" cy="4319870"/>
+          </a:xfrm>
+          <a:prstGeom prst="rect">
+            <a:avLst/>
+          </a:prstGeom>
+          <a:noFill/>
+          <a:ln>
+            <a:noFill/>
+          </a:ln>
+        </p:spPr>
+      </p:pic>
     </p:spTree>
     <p:extLst>
       <p:ext uri="{BB962C8B-B14F-4D97-AF65-F5344CB8AC3E}">
-        <p14:creationId xmlns:p14="http://schemas.microsoft.com/office/powerpoint/2010/main" val="3421286756"/>
+        <p14:creationId xmlns:p14="http://schemas.microsoft.com/office/powerpoint/2010/main" val="3112564696"/>
       </p:ext>
     </p:extLst>
   </p:cSld>
@@ -13305,12 +12325,48 @@
           </a:p>
         </p:txBody>
       </p:sp>
-      <p:sp>
-        <p:nvSpPr>
-          <p:cNvPr id="2" name="TextBox 1">
-            <a:extLst>
-              <a:ext uri="{FF2B5EF4-FFF2-40B4-BE49-F238E27FC236}">
-                <a16:creationId xmlns:a16="http://schemas.microsoft.com/office/drawing/2014/main" id="{99148382-FA64-4314-337F-9CA66D5716F0}"/>
+      <p:pic>
+        <p:nvPicPr>
+          <p:cNvPr id="8" name="Picture 7" descr="A black background with a black square&#10;&#10;Description automatically generated with medium confidence">
+            <a:extLst>
+              <a:ext uri="{FF2B5EF4-FFF2-40B4-BE49-F238E27FC236}">
+                <a16:creationId xmlns:a16="http://schemas.microsoft.com/office/drawing/2014/main" id="{83287448-A0EB-56D9-A6D3-9DC3A8B439A6}"/>
+              </a:ext>
+            </a:extLst>
+          </p:cNvPr>
+          <p:cNvPicPr>
+            <a:picLocks noChangeAspect="1"/>
+          </p:cNvPicPr>
+          <p:nvPr/>
+        </p:nvPicPr>
+        <p:blipFill>
+          <a:blip r:embed="rId2">
+            <a:extLst>
+              <a:ext uri="{28A0092B-C50C-407E-A947-70E740481C1C}">
+                <a14:useLocalDpi xmlns:a14="http://schemas.microsoft.com/office/drawing/2010/main" val="0"/>
+              </a:ext>
+            </a:extLst>
+          </a:blip>
+          <a:stretch>
+            <a:fillRect/>
+          </a:stretch>
+        </p:blipFill>
+        <p:spPr>
+          <a:xfrm rot="2088518">
+            <a:off x="10926159" y="190944"/>
+            <a:ext cx="1371600" cy="1371600"/>
+          </a:xfrm>
+          <a:prstGeom prst="rect">
+            <a:avLst/>
+          </a:prstGeom>
+        </p:spPr>
+      </p:pic>
+      <p:sp>
+        <p:nvSpPr>
+          <p:cNvPr id="6" name="TextBox 5">
+            <a:extLst>
+              <a:ext uri="{FF2B5EF4-FFF2-40B4-BE49-F238E27FC236}">
+                <a16:creationId xmlns:a16="http://schemas.microsoft.com/office/drawing/2014/main" id="{3386FC6C-5729-41F5-3059-3001905849F6}"/>
               </a:ext>
             </a:extLst>
           </p:cNvPr>
@@ -13319,8 +12375,8 @@
         </p:nvSpPr>
         <p:spPr>
           <a:xfrm>
-            <a:off x="546422" y="785527"/>
-            <a:ext cx="9171510" cy="920252"/>
+            <a:off x="221267" y="-12781"/>
+            <a:ext cx="11867536" cy="890115"/>
           </a:xfrm>
           <a:prstGeom prst="rect">
             <a:avLst/>
@@ -13333,7 +12389,7 @@
           </a:bodyPr>
           <a:lstStyle/>
           <a:p>
-            <a:pPr marR="0">
+            <a:pPr marR="0" algn="ctr">
               <a:lnSpc>
                 <a:spcPct val="150000"/>
               </a:lnSpc>
@@ -13353,7 +12409,7 @@
                 <a:ea typeface="Tahoma" panose="020B0604030504040204" pitchFamily="34" charset="0"/>
                 <a:cs typeface="Tahoma" panose="020B0604030504040204" pitchFamily="34" charset="0"/>
               </a:rPr>
-              <a:t>KẾT QUẢ ĐẠT ĐƯỢC</a:t>
+              <a:t>QUÁ TRÌNH THỰC HIỆN</a:t>
             </a:r>
             <a:endParaRPr lang="en-US" sz="4000">
               <a:effectLst/>
@@ -13366,46 +12422,10 @@
       </p:sp>
       <p:pic>
         <p:nvPicPr>
-          <p:cNvPr id="8" name="Picture 7" descr="A black background with a black square&#10;&#10;Description automatically generated with medium confidence">
-            <a:extLst>
-              <a:ext uri="{FF2B5EF4-FFF2-40B4-BE49-F238E27FC236}">
-                <a16:creationId xmlns:a16="http://schemas.microsoft.com/office/drawing/2014/main" id="{8364EEDE-A300-29C3-81A3-B7C3EAB959E4}"/>
-              </a:ext>
-            </a:extLst>
-          </p:cNvPr>
-          <p:cNvPicPr>
-            <a:picLocks noChangeAspect="1"/>
-          </p:cNvPicPr>
-          <p:nvPr/>
-        </p:nvPicPr>
-        <p:blipFill>
-          <a:blip r:embed="rId2">
-            <a:extLst>
-              <a:ext uri="{28A0092B-C50C-407E-A947-70E740481C1C}">
-                <a14:useLocalDpi xmlns:a14="http://schemas.microsoft.com/office/drawing/2010/main" val="0"/>
-              </a:ext>
-            </a:extLst>
-          </a:blip>
-          <a:stretch>
-            <a:fillRect/>
-          </a:stretch>
-        </p:blipFill>
-        <p:spPr>
-          <a:xfrm rot="2088518">
-            <a:off x="10842119" y="221172"/>
-            <a:ext cx="1128711" cy="1128711"/>
-          </a:xfrm>
-          <a:prstGeom prst="rect">
-            <a:avLst/>
-          </a:prstGeom>
-        </p:spPr>
-      </p:pic>
-      <p:pic>
-        <p:nvPicPr>
-          <p:cNvPr id="3" name="Picture 2" descr="Result - Free files and folders icons">
-            <a:extLst>
-              <a:ext uri="{FF2B5EF4-FFF2-40B4-BE49-F238E27FC236}">
-                <a16:creationId xmlns:a16="http://schemas.microsoft.com/office/drawing/2014/main" id="{FE72CBF3-EAC9-2DB7-157B-307AC34960B6}"/>
+          <p:cNvPr id="15" name="Picture 2" descr="Smartphone icon">
+            <a:extLst>
+              <a:ext uri="{FF2B5EF4-FFF2-40B4-BE49-F238E27FC236}">
+                <a16:creationId xmlns:a16="http://schemas.microsoft.com/office/drawing/2014/main" id="{6FDAF0CE-5ED1-952C-E5F8-073421CC3BB5}"/>
               </a:ext>
             </a:extLst>
           </p:cNvPr>
@@ -13429,8 +12449,8 @@
         </p:blipFill>
         <p:spPr bwMode="auto">
           <a:xfrm>
-            <a:off x="7105181" y="785527"/>
-            <a:ext cx="3764745" cy="3764745"/>
+            <a:off x="-121994" y="1835978"/>
+            <a:ext cx="2762865" cy="2762865"/>
           </a:xfrm>
           <a:prstGeom prst="rect">
             <a:avLst/>
@@ -13449,10 +12469,10 @@
       </p:pic>
       <p:sp>
         <p:nvSpPr>
-          <p:cNvPr id="5" name="TextBox 4">
-            <a:extLst>
-              <a:ext uri="{FF2B5EF4-FFF2-40B4-BE49-F238E27FC236}">
-                <a16:creationId xmlns:a16="http://schemas.microsoft.com/office/drawing/2014/main" id="{0453BC89-B9F4-A3A0-5EA1-FA80D541CF86}"/>
+          <p:cNvPr id="16" name="TextBox 15">
+            <a:extLst>
+              <a:ext uri="{FF2B5EF4-FFF2-40B4-BE49-F238E27FC236}">
+                <a16:creationId xmlns:a16="http://schemas.microsoft.com/office/drawing/2014/main" id="{AD5C08D6-CEEF-6A3F-C8EB-3C9348BD8462}"/>
               </a:ext>
             </a:extLst>
           </p:cNvPr>
@@ -13461,8 +12481,8 @@
         </p:nvSpPr>
         <p:spPr>
           <a:xfrm>
-            <a:off x="546421" y="2036347"/>
-            <a:ext cx="6155935" cy="2054665"/>
+            <a:off x="377656" y="4972709"/>
+            <a:ext cx="1799303" cy="491225"/>
           </a:xfrm>
           <a:prstGeom prst="rect">
             <a:avLst/>
@@ -13475,7 +12495,7 @@
           </a:bodyPr>
           <a:lstStyle/>
           <a:p>
-            <a:pPr marR="0" indent="457200">
+            <a:pPr marR="0">
               <a:lnSpc>
                 <a:spcPct val="150000"/>
               </a:lnSpc>
@@ -13487,7 +12507,7 @@
               </a:spcAft>
             </a:pPr>
             <a:r>
-              <a:rPr lang="en-US" sz="2200">
+              <a:rPr lang="en-US" sz="2000" b="1">
                 <a:solidFill>
                   <a:srgbClr val="000000"/>
                 </a:solidFill>
@@ -13495,11 +12515,94 @@
                 <a:ea typeface="Tahoma" panose="020B0604030504040204" pitchFamily="34" charset="0"/>
                 <a:cs typeface="Tahoma" panose="020B0604030504040204" pitchFamily="34" charset="0"/>
               </a:rPr>
-              <a:t>Xây dựng được một website có các chức năng cơ bản của một trang website thương mại điện tử như mong muốn.</a:t>
-            </a:r>
-          </a:p>
-          <a:p>
-            <a:pPr marR="0" indent="457200">
+              <a:t>KẾ HOẠCH</a:t>
+            </a:r>
+            <a:endParaRPr lang="en-US" sz="2000">
+              <a:effectLst/>
+              <a:latin typeface="Tahoma" panose="020B0604030504040204" pitchFamily="34" charset="0"/>
+              <a:ea typeface="Tahoma" panose="020B0604030504040204" pitchFamily="34" charset="0"/>
+              <a:cs typeface="Tahoma" panose="020B0604030504040204" pitchFamily="34" charset="0"/>
+            </a:endParaRPr>
+          </a:p>
+        </p:txBody>
+      </p:sp>
+      <p:sp>
+        <p:nvSpPr>
+          <p:cNvPr id="17" name="TextBox 16">
+            <a:extLst>
+              <a:ext uri="{FF2B5EF4-FFF2-40B4-BE49-F238E27FC236}">
+                <a16:creationId xmlns:a16="http://schemas.microsoft.com/office/drawing/2014/main" id="{8B3169AB-E283-CDC8-C873-3F598A4B6E51}"/>
+              </a:ext>
+            </a:extLst>
+          </p:cNvPr>
+          <p:cNvSpPr txBox="1"/>
+          <p:nvPr/>
+        </p:nvSpPr>
+        <p:spPr>
+          <a:xfrm>
+            <a:off x="345069" y="5472444"/>
+            <a:ext cx="2330245" cy="830997"/>
+          </a:xfrm>
+          <a:prstGeom prst="rect">
+            <a:avLst/>
+          </a:prstGeom>
+          <a:noFill/>
+        </p:spPr>
+        <p:txBody>
+          <a:bodyPr wrap="square">
+            <a:spAutoFit/>
+          </a:bodyPr>
+          <a:lstStyle/>
+          <a:p>
+            <a:pPr marR="0">
+              <a:spcBef>
+                <a:spcPts val="0"/>
+              </a:spcBef>
+              <a:spcAft>
+                <a:spcPts val="0"/>
+              </a:spcAft>
+            </a:pPr>
+            <a:r>
+              <a:rPr lang="en-US" sz="1600">
+                <a:effectLst/>
+                <a:latin typeface="Tahoma" panose="020B0604030504040204" pitchFamily="34" charset="0"/>
+                <a:ea typeface="Tahoma" panose="020B0604030504040204" pitchFamily="34" charset="0"/>
+                <a:cs typeface="Tahoma" panose="020B0604030504040204" pitchFamily="34" charset="0"/>
+              </a:rPr>
+              <a:t>Sắp xếp thời gian, vẽ mô hình bài toán, thiết kế cơ sở dữ liệu</a:t>
+            </a:r>
+          </a:p>
+        </p:txBody>
+      </p:sp>
+      <p:sp>
+        <p:nvSpPr>
+          <p:cNvPr id="19" name="TextBox 18">
+            <a:extLst>
+              <a:ext uri="{FF2B5EF4-FFF2-40B4-BE49-F238E27FC236}">
+                <a16:creationId xmlns:a16="http://schemas.microsoft.com/office/drawing/2014/main" id="{03E7729F-59BC-1684-2502-0DA593110531}"/>
+              </a:ext>
+            </a:extLst>
+          </p:cNvPr>
+          <p:cNvSpPr txBox="1"/>
+          <p:nvPr/>
+        </p:nvSpPr>
+        <p:spPr>
+          <a:xfrm>
+            <a:off x="2762308" y="4963154"/>
+            <a:ext cx="1799303" cy="491225"/>
+          </a:xfrm>
+          <a:prstGeom prst="rect">
+            <a:avLst/>
+          </a:prstGeom>
+          <a:noFill/>
+        </p:spPr>
+        <p:txBody>
+          <a:bodyPr wrap="square">
+            <a:spAutoFit/>
+          </a:bodyPr>
+          <a:lstStyle/>
+          <a:p>
+            <a:pPr marR="0">
               <a:lnSpc>
                 <a:spcPct val="150000"/>
               </a:lnSpc>
@@ -13511,7 +12614,120 @@
               </a:spcAft>
             </a:pPr>
             <a:r>
-              <a:rPr lang="en-US" sz="2200">
+              <a:rPr lang="en-US" sz="2000" b="1">
+                <a:solidFill>
+                  <a:srgbClr val="000000"/>
+                </a:solidFill>
+                <a:effectLst/>
+                <a:latin typeface="Tahoma" panose="020B0604030504040204" pitchFamily="34" charset="0"/>
+                <a:ea typeface="Tahoma" panose="020B0604030504040204" pitchFamily="34" charset="0"/>
+                <a:cs typeface="Tahoma" panose="020B0604030504040204" pitchFamily="34" charset="0"/>
+              </a:rPr>
+              <a:t>TÌM HIỂU</a:t>
+            </a:r>
+            <a:endParaRPr lang="en-US" sz="2000">
+              <a:effectLst/>
+              <a:latin typeface="Tahoma" panose="020B0604030504040204" pitchFamily="34" charset="0"/>
+              <a:ea typeface="Tahoma" panose="020B0604030504040204" pitchFamily="34" charset="0"/>
+              <a:cs typeface="Tahoma" panose="020B0604030504040204" pitchFamily="34" charset="0"/>
+            </a:endParaRPr>
+          </a:p>
+        </p:txBody>
+      </p:sp>
+      <p:sp>
+        <p:nvSpPr>
+          <p:cNvPr id="20" name="TextBox 19">
+            <a:extLst>
+              <a:ext uri="{FF2B5EF4-FFF2-40B4-BE49-F238E27FC236}">
+                <a16:creationId xmlns:a16="http://schemas.microsoft.com/office/drawing/2014/main" id="{7F0E199D-BC05-1CFC-F807-F63904891137}"/>
+              </a:ext>
+            </a:extLst>
+          </p:cNvPr>
+          <p:cNvSpPr txBox="1"/>
+          <p:nvPr/>
+        </p:nvSpPr>
+        <p:spPr>
+          <a:xfrm>
+            <a:off x="2709737" y="5472444"/>
+            <a:ext cx="2330245" cy="1077218"/>
+          </a:xfrm>
+          <a:prstGeom prst="rect">
+            <a:avLst/>
+          </a:prstGeom>
+          <a:noFill/>
+        </p:spPr>
+        <p:txBody>
+          <a:bodyPr wrap="square">
+            <a:spAutoFit/>
+          </a:bodyPr>
+          <a:lstStyle/>
+          <a:p>
+            <a:pPr marR="0">
+              <a:spcBef>
+                <a:spcPts val="0"/>
+              </a:spcBef>
+              <a:spcAft>
+                <a:spcPts val="0"/>
+              </a:spcAft>
+            </a:pPr>
+            <a:r>
+              <a:rPr lang="en-US" sz="1600">
+                <a:latin typeface="Tahoma" panose="020B0604030504040204" pitchFamily="34" charset="0"/>
+                <a:ea typeface="Tahoma" panose="020B0604030504040204" pitchFamily="34" charset="0"/>
+                <a:cs typeface="Tahoma" panose="020B0604030504040204" pitchFamily="34" charset="0"/>
+              </a:rPr>
+              <a:t>Tham khảo giao diện web khác, học Reactjs, Node, Docker, MySQL,…</a:t>
+            </a:r>
+            <a:endParaRPr lang="en-US" sz="1600">
+              <a:effectLst/>
+              <a:latin typeface="Tahoma" panose="020B0604030504040204" pitchFamily="34" charset="0"/>
+              <a:ea typeface="Tahoma" panose="020B0604030504040204" pitchFamily="34" charset="0"/>
+              <a:cs typeface="Tahoma" panose="020B0604030504040204" pitchFamily="34" charset="0"/>
+            </a:endParaRPr>
+          </a:p>
+        </p:txBody>
+      </p:sp>
+      <p:sp>
+        <p:nvSpPr>
+          <p:cNvPr id="22" name="TextBox 21">
+            <a:extLst>
+              <a:ext uri="{FF2B5EF4-FFF2-40B4-BE49-F238E27FC236}">
+                <a16:creationId xmlns:a16="http://schemas.microsoft.com/office/drawing/2014/main" id="{CE782D28-58ED-F244-E482-2326B3F0F375}"/>
+              </a:ext>
+            </a:extLst>
+          </p:cNvPr>
+          <p:cNvSpPr txBox="1"/>
+          <p:nvPr/>
+        </p:nvSpPr>
+        <p:spPr>
+          <a:xfrm>
+            <a:off x="5048014" y="4965610"/>
+            <a:ext cx="1922205" cy="491225"/>
+          </a:xfrm>
+          <a:prstGeom prst="rect">
+            <a:avLst/>
+          </a:prstGeom>
+          <a:noFill/>
+        </p:spPr>
+        <p:txBody>
+          <a:bodyPr wrap="square">
+            <a:spAutoFit/>
+          </a:bodyPr>
+          <a:lstStyle/>
+          <a:p>
+            <a:pPr marR="0">
+              <a:lnSpc>
+                <a:spcPct val="150000"/>
+              </a:lnSpc>
+              <a:spcBef>
+                <a:spcPts val="0"/>
+              </a:spcBef>
+              <a:spcAft>
+                <a:spcPts val="0"/>
+              </a:spcAft>
+            </a:pPr>
+            <a:r>
+              <a:rPr lang="en-US" sz="2000" b="1">
                 <a:solidFill>
                   <a:srgbClr val="000000"/>
                 </a:solidFill>
@@ -13519,15 +12735,706 @@
                 <a:ea typeface="Tahoma" panose="020B0604030504040204" pitchFamily="34" charset="0"/>
                 <a:cs typeface="Tahoma" panose="020B0604030504040204" pitchFamily="34" charset="0"/>
               </a:rPr>
-              <a:t>Giao diện thân thiện, dễ tương tác</a:t>
-            </a:r>
-          </a:p>
-        </p:txBody>
-      </p:sp>
+              <a:t>TRIỂN KHAI</a:t>
+            </a:r>
+            <a:endParaRPr lang="en-US" sz="2000">
+              <a:effectLst/>
+              <a:latin typeface="Tahoma" panose="020B0604030504040204" pitchFamily="34" charset="0"/>
+              <a:ea typeface="Tahoma" panose="020B0604030504040204" pitchFamily="34" charset="0"/>
+              <a:cs typeface="Tahoma" panose="020B0604030504040204" pitchFamily="34" charset="0"/>
+            </a:endParaRPr>
+          </a:p>
+        </p:txBody>
+      </p:sp>
+      <p:sp>
+        <p:nvSpPr>
+          <p:cNvPr id="23" name="TextBox 22">
+            <a:extLst>
+              <a:ext uri="{FF2B5EF4-FFF2-40B4-BE49-F238E27FC236}">
+                <a16:creationId xmlns:a16="http://schemas.microsoft.com/office/drawing/2014/main" id="{3B00E5BC-E5A7-7712-2CE1-021BDD22D8B2}"/>
+              </a:ext>
+            </a:extLst>
+          </p:cNvPr>
+          <p:cNvSpPr txBox="1"/>
+          <p:nvPr/>
+        </p:nvSpPr>
+        <p:spPr>
+          <a:xfrm>
+            <a:off x="5064573" y="5460153"/>
+            <a:ext cx="2330245" cy="584775"/>
+          </a:xfrm>
+          <a:prstGeom prst="rect">
+            <a:avLst/>
+          </a:prstGeom>
+          <a:noFill/>
+        </p:spPr>
+        <p:txBody>
+          <a:bodyPr wrap="square">
+            <a:spAutoFit/>
+          </a:bodyPr>
+          <a:lstStyle/>
+          <a:p>
+            <a:pPr marR="0">
+              <a:spcBef>
+                <a:spcPts val="0"/>
+              </a:spcBef>
+              <a:spcAft>
+                <a:spcPts val="0"/>
+              </a:spcAft>
+            </a:pPr>
+            <a:r>
+              <a:rPr lang="en-US" sz="1600">
+                <a:effectLst/>
+                <a:latin typeface="Tahoma" panose="020B0604030504040204" pitchFamily="34" charset="0"/>
+                <a:ea typeface="Tahoma" panose="020B0604030504040204" pitchFamily="34" charset="0"/>
+                <a:cs typeface="Tahoma" panose="020B0604030504040204" pitchFamily="34" charset="0"/>
+              </a:rPr>
+              <a:t>Thiết kế giao diện quản trị viên, người dùng</a:t>
+            </a:r>
+          </a:p>
+        </p:txBody>
+      </p:sp>
+      <p:sp>
+        <p:nvSpPr>
+          <p:cNvPr id="25" name="TextBox 24">
+            <a:extLst>
+              <a:ext uri="{FF2B5EF4-FFF2-40B4-BE49-F238E27FC236}">
+                <a16:creationId xmlns:a16="http://schemas.microsoft.com/office/drawing/2014/main" id="{7F56B8B6-DAF8-FAAA-2918-08BF7894DC2E}"/>
+              </a:ext>
+            </a:extLst>
+          </p:cNvPr>
+          <p:cNvSpPr txBox="1"/>
+          <p:nvPr/>
+        </p:nvSpPr>
+        <p:spPr>
+          <a:xfrm>
+            <a:off x="7459988" y="4963154"/>
+            <a:ext cx="1799303" cy="491225"/>
+          </a:xfrm>
+          <a:prstGeom prst="rect">
+            <a:avLst/>
+          </a:prstGeom>
+          <a:noFill/>
+        </p:spPr>
+        <p:txBody>
+          <a:bodyPr wrap="square">
+            <a:spAutoFit/>
+          </a:bodyPr>
+          <a:lstStyle/>
+          <a:p>
+            <a:pPr marR="0">
+              <a:lnSpc>
+                <a:spcPct val="150000"/>
+              </a:lnSpc>
+              <a:spcBef>
+                <a:spcPts val="0"/>
+              </a:spcBef>
+              <a:spcAft>
+                <a:spcPts val="0"/>
+              </a:spcAft>
+            </a:pPr>
+            <a:r>
+              <a:rPr lang="en-US" sz="2000" b="1">
+                <a:solidFill>
+                  <a:srgbClr val="000000"/>
+                </a:solidFill>
+                <a:latin typeface="Tahoma" panose="020B0604030504040204" pitchFamily="34" charset="0"/>
+                <a:ea typeface="Tahoma" panose="020B0604030504040204" pitchFamily="34" charset="0"/>
+                <a:cs typeface="Tahoma" panose="020B0604030504040204" pitchFamily="34" charset="0"/>
+              </a:rPr>
+              <a:t>KIỂM THỬ</a:t>
+            </a:r>
+            <a:endParaRPr lang="en-US" sz="2000">
+              <a:effectLst/>
+              <a:latin typeface="Tahoma" panose="020B0604030504040204" pitchFamily="34" charset="0"/>
+              <a:ea typeface="Tahoma" panose="020B0604030504040204" pitchFamily="34" charset="0"/>
+              <a:cs typeface="Tahoma" panose="020B0604030504040204" pitchFamily="34" charset="0"/>
+            </a:endParaRPr>
+          </a:p>
+        </p:txBody>
+      </p:sp>
+      <p:sp>
+        <p:nvSpPr>
+          <p:cNvPr id="26" name="TextBox 25">
+            <a:extLst>
+              <a:ext uri="{FF2B5EF4-FFF2-40B4-BE49-F238E27FC236}">
+                <a16:creationId xmlns:a16="http://schemas.microsoft.com/office/drawing/2014/main" id="{5819C134-50CF-FE42-C084-46122E509CA1}"/>
+              </a:ext>
+            </a:extLst>
+          </p:cNvPr>
+          <p:cNvSpPr txBox="1"/>
+          <p:nvPr/>
+        </p:nvSpPr>
+        <p:spPr>
+          <a:xfrm>
+            <a:off x="7453811" y="5469985"/>
+            <a:ext cx="2330245" cy="584775"/>
+          </a:xfrm>
+          <a:prstGeom prst="rect">
+            <a:avLst/>
+          </a:prstGeom>
+          <a:noFill/>
+        </p:spPr>
+        <p:txBody>
+          <a:bodyPr wrap="square">
+            <a:spAutoFit/>
+          </a:bodyPr>
+          <a:lstStyle/>
+          <a:p>
+            <a:pPr marR="0">
+              <a:spcBef>
+                <a:spcPts val="0"/>
+              </a:spcBef>
+              <a:spcAft>
+                <a:spcPts val="0"/>
+              </a:spcAft>
+            </a:pPr>
+            <a:r>
+              <a:rPr lang="en-US" sz="1600">
+                <a:effectLst/>
+                <a:latin typeface="Tahoma" panose="020B0604030504040204" pitchFamily="34" charset="0"/>
+                <a:ea typeface="Tahoma" panose="020B0604030504040204" pitchFamily="34" charset="0"/>
+                <a:cs typeface="Tahoma" panose="020B0604030504040204" pitchFamily="34" charset="0"/>
+              </a:rPr>
+              <a:t>Tiến hành kiểm tra, chạy thử, sửa lỗi,…</a:t>
+            </a:r>
+          </a:p>
+        </p:txBody>
+      </p:sp>
+      <p:sp>
+        <p:nvSpPr>
+          <p:cNvPr id="28" name="TextBox 27">
+            <a:extLst>
+              <a:ext uri="{FF2B5EF4-FFF2-40B4-BE49-F238E27FC236}">
+                <a16:creationId xmlns:a16="http://schemas.microsoft.com/office/drawing/2014/main" id="{B0AA369C-B005-F231-9327-BBD4ABFE727D}"/>
+              </a:ext>
+            </a:extLst>
+          </p:cNvPr>
+          <p:cNvSpPr txBox="1"/>
+          <p:nvPr/>
+        </p:nvSpPr>
+        <p:spPr>
+          <a:xfrm>
+            <a:off x="9615107" y="4967443"/>
+            <a:ext cx="2276168" cy="491225"/>
+          </a:xfrm>
+          <a:prstGeom prst="rect">
+            <a:avLst/>
+          </a:prstGeom>
+          <a:noFill/>
+        </p:spPr>
+        <p:txBody>
+          <a:bodyPr wrap="square">
+            <a:spAutoFit/>
+          </a:bodyPr>
+          <a:lstStyle/>
+          <a:p>
+            <a:pPr marR="0" algn="ctr">
+              <a:lnSpc>
+                <a:spcPct val="150000"/>
+              </a:lnSpc>
+              <a:spcBef>
+                <a:spcPts val="0"/>
+              </a:spcBef>
+              <a:spcAft>
+                <a:spcPts val="0"/>
+              </a:spcAft>
+            </a:pPr>
+            <a:r>
+              <a:rPr lang="en-US" sz="2000" b="1">
+                <a:solidFill>
+                  <a:srgbClr val="000000"/>
+                </a:solidFill>
+                <a:latin typeface="Tahoma" panose="020B0604030504040204" pitchFamily="34" charset="0"/>
+                <a:ea typeface="Tahoma" panose="020B0604030504040204" pitchFamily="34" charset="0"/>
+                <a:cs typeface="Tahoma" panose="020B0604030504040204" pitchFamily="34" charset="0"/>
+              </a:rPr>
+              <a:t>HOÀN THÀNH</a:t>
+            </a:r>
+            <a:endParaRPr lang="en-US" sz="2000">
+              <a:effectLst/>
+              <a:latin typeface="Tahoma" panose="020B0604030504040204" pitchFamily="34" charset="0"/>
+              <a:ea typeface="Tahoma" panose="020B0604030504040204" pitchFamily="34" charset="0"/>
+              <a:cs typeface="Tahoma" panose="020B0604030504040204" pitchFamily="34" charset="0"/>
+            </a:endParaRPr>
+          </a:p>
+        </p:txBody>
+      </p:sp>
+      <p:sp>
+        <p:nvSpPr>
+          <p:cNvPr id="29" name="TextBox 28">
+            <a:extLst>
+              <a:ext uri="{FF2B5EF4-FFF2-40B4-BE49-F238E27FC236}">
+                <a16:creationId xmlns:a16="http://schemas.microsoft.com/office/drawing/2014/main" id="{49445860-B35A-923E-6F9F-4AFDAAE21D23}"/>
+              </a:ext>
+            </a:extLst>
+          </p:cNvPr>
+          <p:cNvSpPr txBox="1"/>
+          <p:nvPr/>
+        </p:nvSpPr>
+        <p:spPr>
+          <a:xfrm>
+            <a:off x="9808647" y="5477360"/>
+            <a:ext cx="2330245" cy="584775"/>
+          </a:xfrm>
+          <a:prstGeom prst="rect">
+            <a:avLst/>
+          </a:prstGeom>
+          <a:noFill/>
+        </p:spPr>
+        <p:txBody>
+          <a:bodyPr wrap="square">
+            <a:spAutoFit/>
+          </a:bodyPr>
+          <a:lstStyle/>
+          <a:p>
+            <a:pPr marR="0">
+              <a:spcBef>
+                <a:spcPts val="0"/>
+              </a:spcBef>
+              <a:spcAft>
+                <a:spcPts val="0"/>
+              </a:spcAft>
+            </a:pPr>
+            <a:r>
+              <a:rPr lang="en-US" sz="1600">
+                <a:effectLst/>
+                <a:latin typeface="Tahoma" panose="020B0604030504040204" pitchFamily="34" charset="0"/>
+                <a:ea typeface="Tahoma" panose="020B0604030504040204" pitchFamily="34" charset="0"/>
+                <a:cs typeface="Tahoma" panose="020B0604030504040204" pitchFamily="34" charset="0"/>
+              </a:rPr>
+              <a:t>Hoàn thành các chức năng của website</a:t>
+            </a:r>
+          </a:p>
+        </p:txBody>
+      </p:sp>
+      <p:pic>
+        <p:nvPicPr>
+          <p:cNvPr id="31" name="Picture 2" descr="Smartphone icon">
+            <a:extLst>
+              <a:ext uri="{FF2B5EF4-FFF2-40B4-BE49-F238E27FC236}">
+                <a16:creationId xmlns:a16="http://schemas.microsoft.com/office/drawing/2014/main" id="{863274B8-2E6F-56A5-F17F-D625E6464306}"/>
+              </a:ext>
+            </a:extLst>
+          </p:cNvPr>
+          <p:cNvPicPr>
+            <a:picLocks noChangeAspect="1" noChangeArrowheads="1"/>
+          </p:cNvPicPr>
+          <p:nvPr/>
+        </p:nvPicPr>
+        <p:blipFill>
+          <a:blip r:embed="rId3">
+            <a:extLst>
+              <a:ext uri="{28A0092B-C50C-407E-A947-70E740481C1C}">
+                <a14:useLocalDpi xmlns:a14="http://schemas.microsoft.com/office/drawing/2010/main" val="0"/>
+              </a:ext>
+            </a:extLst>
+          </a:blip>
+          <a:srcRect/>
+          <a:stretch>
+            <a:fillRect/>
+          </a:stretch>
+        </p:blipFill>
+        <p:spPr bwMode="auto">
+          <a:xfrm>
+            <a:off x="2242674" y="1835978"/>
+            <a:ext cx="2762865" cy="2762865"/>
+          </a:xfrm>
+          <a:prstGeom prst="rect">
+            <a:avLst/>
+          </a:prstGeom>
+          <a:noFill/>
+          <a:extLst>
+            <a:ext uri="{909E8E84-426E-40DD-AFC4-6F175D3DCCD1}">
+              <a14:hiddenFill xmlns:a14="http://schemas.microsoft.com/office/drawing/2010/main">
+                <a:solidFill>
+                  <a:srgbClr val="FFFFFF"/>
+                </a:solidFill>
+              </a14:hiddenFill>
+            </a:ext>
+          </a:extLst>
+        </p:spPr>
+      </p:pic>
+      <p:pic>
+        <p:nvPicPr>
+          <p:cNvPr id="33" name="Picture 2" descr="Smartphone icon">
+            <a:extLst>
+              <a:ext uri="{FF2B5EF4-FFF2-40B4-BE49-F238E27FC236}">
+                <a16:creationId xmlns:a16="http://schemas.microsoft.com/office/drawing/2014/main" id="{87F02EC6-B057-9A33-C3C5-8D8BF0836FE6}"/>
+              </a:ext>
+            </a:extLst>
+          </p:cNvPr>
+          <p:cNvPicPr>
+            <a:picLocks noChangeAspect="1" noChangeArrowheads="1"/>
+          </p:cNvPicPr>
+          <p:nvPr/>
+        </p:nvPicPr>
+        <p:blipFill>
+          <a:blip r:embed="rId3">
+            <a:extLst>
+              <a:ext uri="{28A0092B-C50C-407E-A947-70E740481C1C}">
+                <a14:useLocalDpi xmlns:a14="http://schemas.microsoft.com/office/drawing/2010/main" val="0"/>
+              </a:ext>
+            </a:extLst>
+          </a:blip>
+          <a:srcRect/>
+          <a:stretch>
+            <a:fillRect/>
+          </a:stretch>
+        </p:blipFill>
+        <p:spPr bwMode="auto">
+          <a:xfrm>
+            <a:off x="4597510" y="1823687"/>
+            <a:ext cx="2762865" cy="2762865"/>
+          </a:xfrm>
+          <a:prstGeom prst="rect">
+            <a:avLst/>
+          </a:prstGeom>
+          <a:noFill/>
+          <a:extLst>
+            <a:ext uri="{909E8E84-426E-40DD-AFC4-6F175D3DCCD1}">
+              <a14:hiddenFill xmlns:a14="http://schemas.microsoft.com/office/drawing/2010/main">
+                <a:solidFill>
+                  <a:srgbClr val="FFFFFF"/>
+                </a:solidFill>
+              </a14:hiddenFill>
+            </a:ext>
+          </a:extLst>
+        </p:spPr>
+      </p:pic>
+      <p:pic>
+        <p:nvPicPr>
+          <p:cNvPr id="6150" name="Picture 6" descr="Coder, computer, programmer icon - Download on Iconfinder">
+            <a:extLst>
+              <a:ext uri="{FF2B5EF4-FFF2-40B4-BE49-F238E27FC236}">
+                <a16:creationId xmlns:a16="http://schemas.microsoft.com/office/drawing/2014/main" id="{73019B57-5872-5EA2-702D-4E5967F44CEA}"/>
+              </a:ext>
+            </a:extLst>
+          </p:cNvPr>
+          <p:cNvPicPr>
+            <a:picLocks noChangeAspect="1" noChangeArrowheads="1"/>
+          </p:cNvPicPr>
+          <p:nvPr/>
+        </p:nvPicPr>
+        <p:blipFill>
+          <a:blip r:embed="rId4">
+            <a:extLst>
+              <a:ext uri="{28A0092B-C50C-407E-A947-70E740481C1C}">
+                <a14:useLocalDpi xmlns:a14="http://schemas.microsoft.com/office/drawing/2010/main" val="0"/>
+              </a:ext>
+            </a:extLst>
+          </a:blip>
+          <a:srcRect/>
+          <a:stretch>
+            <a:fillRect/>
+          </a:stretch>
+        </p:blipFill>
+        <p:spPr bwMode="auto">
+          <a:xfrm>
+            <a:off x="5397196" y="2552262"/>
+            <a:ext cx="1148346" cy="1238124"/>
+          </a:xfrm>
+          <a:prstGeom prst="rect">
+            <a:avLst/>
+          </a:prstGeom>
+          <a:noFill/>
+          <a:extLst>
+            <a:ext uri="{909E8E84-426E-40DD-AFC4-6F175D3DCCD1}">
+              <a14:hiddenFill xmlns:a14="http://schemas.microsoft.com/office/drawing/2010/main">
+                <a:solidFill>
+                  <a:srgbClr val="FFFFFF"/>
+                </a:solidFill>
+              </a14:hiddenFill>
+            </a:ext>
+          </a:extLst>
+        </p:spPr>
+      </p:pic>
+      <p:pic>
+        <p:nvPicPr>
+          <p:cNvPr id="34" name="Picture 2" descr="Smartphone icon">
+            <a:extLst>
+              <a:ext uri="{FF2B5EF4-FFF2-40B4-BE49-F238E27FC236}">
+                <a16:creationId xmlns:a16="http://schemas.microsoft.com/office/drawing/2014/main" id="{BB1B0A86-198E-10CE-33F7-9CE4E697F169}"/>
+              </a:ext>
+            </a:extLst>
+          </p:cNvPr>
+          <p:cNvPicPr>
+            <a:picLocks noChangeAspect="1" noChangeArrowheads="1"/>
+          </p:cNvPicPr>
+          <p:nvPr/>
+        </p:nvPicPr>
+        <p:blipFill>
+          <a:blip r:embed="rId3">
+            <a:extLst>
+              <a:ext uri="{28A0092B-C50C-407E-A947-70E740481C1C}">
+                <a14:useLocalDpi xmlns:a14="http://schemas.microsoft.com/office/drawing/2010/main" val="0"/>
+              </a:ext>
+            </a:extLst>
+          </a:blip>
+          <a:srcRect/>
+          <a:stretch>
+            <a:fillRect/>
+          </a:stretch>
+        </p:blipFill>
+        <p:spPr bwMode="auto">
+          <a:xfrm>
+            <a:off x="6986748" y="1833519"/>
+            <a:ext cx="2762865" cy="2762865"/>
+          </a:xfrm>
+          <a:prstGeom prst="rect">
+            <a:avLst/>
+          </a:prstGeom>
+          <a:noFill/>
+          <a:extLst>
+            <a:ext uri="{909E8E84-426E-40DD-AFC4-6F175D3DCCD1}">
+              <a14:hiddenFill xmlns:a14="http://schemas.microsoft.com/office/drawing/2010/main">
+                <a:solidFill>
+                  <a:srgbClr val="FFFFFF"/>
+                </a:solidFill>
+              </a14:hiddenFill>
+            </a:ext>
+          </a:extLst>
+        </p:spPr>
+      </p:pic>
+      <p:pic>
+        <p:nvPicPr>
+          <p:cNvPr id="35" name="Picture 2" descr="Smartphone icon">
+            <a:extLst>
+              <a:ext uri="{FF2B5EF4-FFF2-40B4-BE49-F238E27FC236}">
+                <a16:creationId xmlns:a16="http://schemas.microsoft.com/office/drawing/2014/main" id="{30DBCF31-5350-4F91-6F11-FA6CC98B6EFC}"/>
+              </a:ext>
+            </a:extLst>
+          </p:cNvPr>
+          <p:cNvPicPr>
+            <a:picLocks noChangeAspect="1" noChangeArrowheads="1"/>
+          </p:cNvPicPr>
+          <p:nvPr/>
+        </p:nvPicPr>
+        <p:blipFill>
+          <a:blip r:embed="rId3">
+            <a:extLst>
+              <a:ext uri="{28A0092B-C50C-407E-A947-70E740481C1C}">
+                <a14:useLocalDpi xmlns:a14="http://schemas.microsoft.com/office/drawing/2010/main" val="0"/>
+              </a:ext>
+            </a:extLst>
+          </a:blip>
+          <a:srcRect/>
+          <a:stretch>
+            <a:fillRect/>
+          </a:stretch>
+        </p:blipFill>
+        <p:spPr bwMode="auto">
+          <a:xfrm>
+            <a:off x="9341584" y="1840894"/>
+            <a:ext cx="2762865" cy="2762865"/>
+          </a:xfrm>
+          <a:prstGeom prst="rect">
+            <a:avLst/>
+          </a:prstGeom>
+          <a:noFill/>
+          <a:extLst>
+            <a:ext uri="{909E8E84-426E-40DD-AFC4-6F175D3DCCD1}">
+              <a14:hiddenFill xmlns:a14="http://schemas.microsoft.com/office/drawing/2010/main">
+                <a:solidFill>
+                  <a:srgbClr val="FFFFFF"/>
+                </a:solidFill>
+              </a14:hiddenFill>
+            </a:ext>
+          </a:extLst>
+        </p:spPr>
+      </p:pic>
+      <p:pic>
+        <p:nvPicPr>
+          <p:cNvPr id="6152" name="Picture 8" descr="Test icons for free download | Freepik">
+            <a:extLst>
+              <a:ext uri="{FF2B5EF4-FFF2-40B4-BE49-F238E27FC236}">
+                <a16:creationId xmlns:a16="http://schemas.microsoft.com/office/drawing/2014/main" id="{C60DECC6-EAA3-59E8-0239-AF4F6FD91C81}"/>
+              </a:ext>
+            </a:extLst>
+          </p:cNvPr>
+          <p:cNvPicPr>
+            <a:picLocks noChangeAspect="1" noChangeArrowheads="1"/>
+          </p:cNvPicPr>
+          <p:nvPr/>
+        </p:nvPicPr>
+        <p:blipFill>
+          <a:blip r:embed="rId5">
+            <a:extLst>
+              <a:ext uri="{28A0092B-C50C-407E-A947-70E740481C1C}">
+                <a14:useLocalDpi xmlns:a14="http://schemas.microsoft.com/office/drawing/2010/main" val="0"/>
+              </a:ext>
+            </a:extLst>
+          </a:blip>
+          <a:srcRect/>
+          <a:stretch>
+            <a:fillRect/>
+          </a:stretch>
+        </p:blipFill>
+        <p:spPr bwMode="auto">
+          <a:xfrm>
+            <a:off x="7801581" y="2673852"/>
+            <a:ext cx="1173531" cy="1096947"/>
+          </a:xfrm>
+          <a:prstGeom prst="rect">
+            <a:avLst/>
+          </a:prstGeom>
+          <a:noFill/>
+          <a:extLst>
+            <a:ext uri="{909E8E84-426E-40DD-AFC4-6F175D3DCCD1}">
+              <a14:hiddenFill xmlns:a14="http://schemas.microsoft.com/office/drawing/2010/main">
+                <a:solidFill>
+                  <a:srgbClr val="FFFFFF"/>
+                </a:solidFill>
+              </a14:hiddenFill>
+            </a:ext>
+          </a:extLst>
+        </p:spPr>
+      </p:pic>
+      <p:pic>
+        <p:nvPicPr>
+          <p:cNvPr id="6154" name="Picture 10" descr="Hình ảnh Tìm Ra Biểu Tượng Dòng Vectơ PNG , Tìm Hiểu Biểu Tượng, Tìm Ra,  Kính Lúp PNG và Vector với nền trong suốt để tải xuống miễn phí">
+            <a:extLst>
+              <a:ext uri="{FF2B5EF4-FFF2-40B4-BE49-F238E27FC236}">
+                <a16:creationId xmlns:a16="http://schemas.microsoft.com/office/drawing/2014/main" id="{8EC1276A-B62F-604C-6D51-EA52CC3DF795}"/>
+              </a:ext>
+            </a:extLst>
+          </p:cNvPr>
+          <p:cNvPicPr>
+            <a:picLocks noChangeAspect="1" noChangeArrowheads="1"/>
+          </p:cNvPicPr>
+          <p:nvPr/>
+        </p:nvPicPr>
+        <p:blipFill>
+          <a:blip r:embed="rId6">
+            <a:extLst>
+              <a:ext uri="{28A0092B-C50C-407E-A947-70E740481C1C}">
+                <a14:useLocalDpi xmlns:a14="http://schemas.microsoft.com/office/drawing/2010/main" val="0"/>
+              </a:ext>
+            </a:extLst>
+          </a:blip>
+          <a:srcRect/>
+          <a:stretch>
+            <a:fillRect/>
+          </a:stretch>
+        </p:blipFill>
+        <p:spPr bwMode="auto">
+          <a:xfrm>
+            <a:off x="3077310" y="2506047"/>
+            <a:ext cx="1432555" cy="1432555"/>
+          </a:xfrm>
+          <a:prstGeom prst="rect">
+            <a:avLst/>
+          </a:prstGeom>
+          <a:noFill/>
+          <a:extLst>
+            <a:ext uri="{909E8E84-426E-40DD-AFC4-6F175D3DCCD1}">
+              <a14:hiddenFill xmlns:a14="http://schemas.microsoft.com/office/drawing/2010/main">
+                <a:solidFill>
+                  <a:srgbClr val="FFFFFF"/>
+                </a:solidFill>
+              </a14:hiddenFill>
+            </a:ext>
+          </a:extLst>
+        </p:spPr>
+      </p:pic>
+      <p:pic>
+        <p:nvPicPr>
+          <p:cNvPr id="6156" name="Picture 12" descr="Hình ảnh Biểu Tượng Kế Hoạch Vẽ Tay Danh Sách Việc Cần Làm Lập Kế Hoạch Dự  án Thông Báo Quản Lý Sổ Ghi Chép Vectơ PNG , Sổ Tay, Ban Quản">
+            <a:extLst>
+              <a:ext uri="{FF2B5EF4-FFF2-40B4-BE49-F238E27FC236}">
+                <a16:creationId xmlns:a16="http://schemas.microsoft.com/office/drawing/2014/main" id="{05656194-D2DD-2485-5966-309CD2AFC800}"/>
+              </a:ext>
+            </a:extLst>
+          </p:cNvPr>
+          <p:cNvPicPr>
+            <a:picLocks noChangeAspect="1" noChangeArrowheads="1"/>
+          </p:cNvPicPr>
+          <p:nvPr/>
+        </p:nvPicPr>
+        <p:blipFill>
+          <a:blip r:embed="rId7">
+            <a:extLst>
+              <a:ext uri="{28A0092B-C50C-407E-A947-70E740481C1C}">
+                <a14:useLocalDpi xmlns:a14="http://schemas.microsoft.com/office/drawing/2010/main" val="0"/>
+              </a:ext>
+            </a:extLst>
+          </a:blip>
+          <a:srcRect/>
+          <a:stretch>
+            <a:fillRect/>
+          </a:stretch>
+        </p:blipFill>
+        <p:spPr bwMode="auto">
+          <a:xfrm>
+            <a:off x="688072" y="2425310"/>
+            <a:ext cx="1180078" cy="1559617"/>
+          </a:xfrm>
+          <a:prstGeom prst="rect">
+            <a:avLst/>
+          </a:prstGeom>
+          <a:noFill/>
+          <a:extLst>
+            <a:ext uri="{909E8E84-426E-40DD-AFC4-6F175D3DCCD1}">
+              <a14:hiddenFill xmlns:a14="http://schemas.microsoft.com/office/drawing/2010/main">
+                <a:solidFill>
+                  <a:srgbClr val="FFFFFF"/>
+                </a:solidFill>
+              </a14:hiddenFill>
+            </a:ext>
+          </a:extLst>
+        </p:spPr>
+      </p:pic>
+      <p:pic>
+        <p:nvPicPr>
+          <p:cNvPr id="6158" name="Picture 14" descr="Task-Complete Icons - Free SVG &amp; PNG Task-Complete Images - Noun Project">
+            <a:extLst>
+              <a:ext uri="{FF2B5EF4-FFF2-40B4-BE49-F238E27FC236}">
+                <a16:creationId xmlns:a16="http://schemas.microsoft.com/office/drawing/2014/main" id="{D5FDB267-572B-7390-0CE9-B684D777A3FA}"/>
+              </a:ext>
+            </a:extLst>
+          </p:cNvPr>
+          <p:cNvPicPr>
+            <a:picLocks noChangeAspect="1" noChangeArrowheads="1"/>
+          </p:cNvPicPr>
+          <p:nvPr/>
+        </p:nvPicPr>
+        <p:blipFill>
+          <a:blip r:embed="rId8">
+            <a:extLst>
+              <a:ext uri="{28A0092B-C50C-407E-A947-70E740481C1C}">
+                <a14:useLocalDpi xmlns:a14="http://schemas.microsoft.com/office/drawing/2010/main" val="0"/>
+              </a:ext>
+            </a:extLst>
+          </a:blip>
+          <a:srcRect/>
+          <a:stretch>
+            <a:fillRect/>
+          </a:stretch>
+        </p:blipFill>
+        <p:spPr bwMode="auto">
+          <a:xfrm>
+            <a:off x="10043842" y="2552262"/>
+            <a:ext cx="1425067" cy="1425067"/>
+          </a:xfrm>
+          <a:prstGeom prst="rect">
+            <a:avLst/>
+          </a:prstGeom>
+          <a:noFill/>
+          <a:extLst>
+            <a:ext uri="{909E8E84-426E-40DD-AFC4-6F175D3DCCD1}">
+              <a14:hiddenFill xmlns:a14="http://schemas.microsoft.com/office/drawing/2010/main">
+                <a:solidFill>
+                  <a:srgbClr val="FFFFFF"/>
+                </a:solidFill>
+              </a14:hiddenFill>
+            </a:ext>
+          </a:extLst>
+        </p:spPr>
+      </p:pic>
     </p:spTree>
     <p:extLst>
       <p:ext uri="{BB962C8B-B14F-4D97-AF65-F5344CB8AC3E}">
-        <p14:creationId xmlns:p14="http://schemas.microsoft.com/office/powerpoint/2010/main" val="577987377"/>
+        <p14:creationId xmlns:p14="http://schemas.microsoft.com/office/powerpoint/2010/main" val="363600022"/>
       </p:ext>
     </p:extLst>
   </p:cSld>
@@ -13630,48 +13537,12 @@
           </a:p>
         </p:txBody>
       </p:sp>
-      <p:pic>
-        <p:nvPicPr>
-          <p:cNvPr id="8" name="Picture 7" descr="A black background with a black square&#10;&#10;Description automatically generated with medium confidence">
-            <a:extLst>
-              <a:ext uri="{FF2B5EF4-FFF2-40B4-BE49-F238E27FC236}">
-                <a16:creationId xmlns:a16="http://schemas.microsoft.com/office/drawing/2014/main" id="{8364EEDE-A300-29C3-81A3-B7C3EAB959E4}"/>
-              </a:ext>
-            </a:extLst>
-          </p:cNvPr>
-          <p:cNvPicPr>
-            <a:picLocks noChangeAspect="1"/>
-          </p:cNvPicPr>
-          <p:nvPr/>
-        </p:nvPicPr>
-        <p:blipFill>
-          <a:blip r:embed="rId2">
-            <a:extLst>
-              <a:ext uri="{28A0092B-C50C-407E-A947-70E740481C1C}">
-                <a14:useLocalDpi xmlns:a14="http://schemas.microsoft.com/office/drawing/2010/main" val="0"/>
-              </a:ext>
-            </a:extLst>
-          </a:blip>
-          <a:stretch>
-            <a:fillRect/>
-          </a:stretch>
-        </p:blipFill>
-        <p:spPr>
-          <a:xfrm rot="2088518">
-            <a:off x="10842119" y="221172"/>
-            <a:ext cx="1128711" cy="1128711"/>
-          </a:xfrm>
-          <a:prstGeom prst="rect">
-            <a:avLst/>
-          </a:prstGeom>
-        </p:spPr>
-      </p:pic>
-      <p:sp>
-        <p:nvSpPr>
-          <p:cNvPr id="10" name="TextBox 9">
-            <a:extLst>
-              <a:ext uri="{FF2B5EF4-FFF2-40B4-BE49-F238E27FC236}">
-                <a16:creationId xmlns:a16="http://schemas.microsoft.com/office/drawing/2014/main" id="{A15E0C14-68A5-542B-8056-FD7DED6D3FD7}"/>
+      <p:sp>
+        <p:nvSpPr>
+          <p:cNvPr id="2" name="TextBox 1">
+            <a:extLst>
+              <a:ext uri="{FF2B5EF4-FFF2-40B4-BE49-F238E27FC236}">
+                <a16:creationId xmlns:a16="http://schemas.microsoft.com/office/drawing/2014/main" id="{99148382-FA64-4314-337F-9CA66D5716F0}"/>
               </a:ext>
             </a:extLst>
           </p:cNvPr>
@@ -13681,7 +13552,7 @@
         <p:spPr>
           <a:xfrm>
             <a:off x="546422" y="785527"/>
-            <a:ext cx="5549578" cy="890115"/>
+            <a:ext cx="9171510" cy="890115"/>
           </a:xfrm>
           <a:prstGeom prst="rect">
             <a:avLst/>
@@ -13714,7 +13585,7 @@
                 <a:ea typeface="Tahoma" panose="020B0604030504040204" pitchFamily="34" charset="0"/>
                 <a:cs typeface="Tahoma" panose="020B0604030504040204" pitchFamily="34" charset="0"/>
               </a:rPr>
-              <a:t>HẠN CHẾ</a:t>
+              <a:t>V. KẾT LUẬN</a:t>
             </a:r>
             <a:endParaRPr lang="en-US" sz="4000">
               <a:effectLst/>
@@ -13725,129 +13596,12 @@
           </a:p>
         </p:txBody>
       </p:sp>
-      <p:sp>
-        <p:nvSpPr>
-          <p:cNvPr id="12" name="TextBox 11">
-            <a:extLst>
-              <a:ext uri="{FF2B5EF4-FFF2-40B4-BE49-F238E27FC236}">
-                <a16:creationId xmlns:a16="http://schemas.microsoft.com/office/drawing/2014/main" id="{E248BF78-D09B-455E-7F4D-E1FE641D485A}"/>
-              </a:ext>
-            </a:extLst>
-          </p:cNvPr>
-          <p:cNvSpPr txBox="1"/>
-          <p:nvPr/>
-        </p:nvSpPr>
-        <p:spPr>
-          <a:xfrm>
-            <a:off x="546422" y="2036347"/>
-            <a:ext cx="6895238" cy="2677656"/>
-          </a:xfrm>
-          <a:prstGeom prst="rect">
-            <a:avLst/>
-          </a:prstGeom>
-          <a:noFill/>
-        </p:spPr>
-        <p:txBody>
-          <a:bodyPr wrap="square">
-            <a:spAutoFit/>
-          </a:bodyPr>
-          <a:lstStyle/>
-          <a:p>
-            <a:pPr marL="457200" marR="0" indent="-457200">
-              <a:spcBef>
-                <a:spcPts val="0"/>
-              </a:spcBef>
-              <a:spcAft>
-                <a:spcPts val="0"/>
-              </a:spcAft>
-              <a:buFont typeface="Arial" panose="020B0604020202020204" pitchFamily="34" charset="0"/>
-              <a:buChar char="•"/>
-            </a:pPr>
-            <a:r>
-              <a:rPr lang="en-US" sz="2800">
-                <a:effectLst/>
-                <a:latin typeface="Calibri" panose="020F0502020204030204" pitchFamily="34" charset="0"/>
-                <a:ea typeface="Calibri" panose="020F0502020204030204" pitchFamily="34" charset="0"/>
-                <a:cs typeface="Calibri" panose="020F0502020204030204" pitchFamily="34" charset="0"/>
-              </a:rPr>
-              <a:t>Danh mục sản phẩm chưa đa dạng.</a:t>
-            </a:r>
-          </a:p>
-          <a:p>
-            <a:pPr marL="457200" marR="0" indent="-457200">
-              <a:spcBef>
-                <a:spcPts val="0"/>
-              </a:spcBef>
-              <a:spcAft>
-                <a:spcPts val="0"/>
-              </a:spcAft>
-              <a:buFont typeface="Arial" panose="020B0604020202020204" pitchFamily="34" charset="0"/>
-              <a:buChar char="•"/>
-            </a:pPr>
-            <a:r>
-              <a:rPr lang="en-US" sz="2800">
-                <a:latin typeface="Calibri" panose="020F0502020204030204" pitchFamily="34" charset="0"/>
-                <a:ea typeface="Calibri" panose="020F0502020204030204" pitchFamily="34" charset="0"/>
-                <a:cs typeface="Calibri" panose="020F0502020204030204" pitchFamily="34" charset="0"/>
-              </a:rPr>
-              <a:t>Chưa có bình luận, yêu thích và đánh giá sản phẩm.</a:t>
-            </a:r>
-            <a:endParaRPr lang="en-US" sz="2800">
-              <a:effectLst/>
-              <a:latin typeface="Calibri" panose="020F0502020204030204" pitchFamily="34" charset="0"/>
-              <a:ea typeface="Calibri" panose="020F0502020204030204" pitchFamily="34" charset="0"/>
-              <a:cs typeface="Calibri" panose="020F0502020204030204" pitchFamily="34" charset="0"/>
-            </a:endParaRPr>
-          </a:p>
-          <a:p>
-            <a:pPr marL="457200" marR="0" indent="-457200">
-              <a:spcBef>
-                <a:spcPts val="0"/>
-              </a:spcBef>
-              <a:spcAft>
-                <a:spcPts val="0"/>
-              </a:spcAft>
-              <a:buFont typeface="Arial" panose="020B0604020202020204" pitchFamily="34" charset="0"/>
-              <a:buChar char="•"/>
-            </a:pPr>
-            <a:r>
-              <a:rPr lang="en-US" sz="2800">
-                <a:effectLst/>
-                <a:latin typeface="Calibri" panose="020F0502020204030204" pitchFamily="34" charset="0"/>
-                <a:ea typeface="Calibri" panose="020F0502020204030204" pitchFamily="34" charset="0"/>
-                <a:cs typeface="Calibri" panose="020F0502020204030204" pitchFamily="34" charset="0"/>
-              </a:rPr>
-              <a:t>Giao diện còn khá sơ sài, chưa ưa nhìn.</a:t>
-            </a:r>
-          </a:p>
-          <a:p>
-            <a:pPr marL="457200" marR="0" indent="-457200">
-              <a:spcBef>
-                <a:spcPts val="0"/>
-              </a:spcBef>
-              <a:spcAft>
-                <a:spcPts val="0"/>
-              </a:spcAft>
-              <a:buFont typeface="Arial" panose="020B0604020202020204" pitchFamily="34" charset="0"/>
-              <a:buChar char="•"/>
-            </a:pPr>
-            <a:r>
-              <a:rPr lang="en-US" sz="2800">
-                <a:latin typeface="Calibri" panose="020F0502020204030204" pitchFamily="34" charset="0"/>
-                <a:ea typeface="Calibri" panose="020F0502020204030204" pitchFamily="34" charset="0"/>
-                <a:cs typeface="Calibri" panose="020F0502020204030204" pitchFamily="34" charset="0"/>
-              </a:rPr>
-              <a:t>Chưa có thống kê doanh thu và thanh toán online.</a:t>
-            </a:r>
-          </a:p>
-        </p:txBody>
-      </p:sp>
       <p:pic>
         <p:nvPicPr>
-          <p:cNvPr id="13" name="Picture 4" descr="Restrict Icons - Free SVG &amp; PNG Restrict Images - Noun Project">
-            <a:extLst>
-              <a:ext uri="{FF2B5EF4-FFF2-40B4-BE49-F238E27FC236}">
-                <a16:creationId xmlns:a16="http://schemas.microsoft.com/office/drawing/2014/main" id="{CE5294D3-6CA4-A7B5-B36E-DFC14AE1A20D}"/>
+          <p:cNvPr id="6" name="Picture 2" descr="Conclusion - Free technology icons">
+            <a:extLst>
+              <a:ext uri="{FF2B5EF4-FFF2-40B4-BE49-F238E27FC236}">
+                <a16:creationId xmlns:a16="http://schemas.microsoft.com/office/drawing/2014/main" id="{E6175996-BEB9-7081-FAEC-9A15634FF4A9}"/>
               </a:ext>
             </a:extLst>
           </p:cNvPr>
@@ -13857,7 +13611,7 @@
           <p:nvPr/>
         </p:nvPicPr>
         <p:blipFill>
-          <a:blip r:embed="rId3">
+          <a:blip r:embed="rId2">
             <a:extLst>
               <a:ext uri="{28A0092B-C50C-407E-A947-70E740481C1C}">
                 <a14:useLocalDpi xmlns:a14="http://schemas.microsoft.com/office/drawing/2010/main" val="0"/>
@@ -13871,8 +13625,8 @@
         </p:blipFill>
         <p:spPr bwMode="auto">
           <a:xfrm>
-            <a:off x="7361203" y="1835121"/>
-            <a:ext cx="3187758" cy="3187758"/>
+            <a:off x="5132177" y="1847734"/>
+            <a:ext cx="2372384" cy="2372384"/>
           </a:xfrm>
           <a:prstGeom prst="rect">
             <a:avLst/>
@@ -13889,10 +13643,46 @@
           </a:extLst>
         </p:spPr>
       </p:pic>
+      <p:pic>
+        <p:nvPicPr>
+          <p:cNvPr id="8" name="Picture 7" descr="A black background with a black square&#10;&#10;Description automatically generated with medium confidence">
+            <a:extLst>
+              <a:ext uri="{FF2B5EF4-FFF2-40B4-BE49-F238E27FC236}">
+                <a16:creationId xmlns:a16="http://schemas.microsoft.com/office/drawing/2014/main" id="{8364EEDE-A300-29C3-81A3-B7C3EAB959E4}"/>
+              </a:ext>
+            </a:extLst>
+          </p:cNvPr>
+          <p:cNvPicPr>
+            <a:picLocks noChangeAspect="1"/>
+          </p:cNvPicPr>
+          <p:nvPr/>
+        </p:nvPicPr>
+        <p:blipFill>
+          <a:blip r:embed="rId3">
+            <a:extLst>
+              <a:ext uri="{28A0092B-C50C-407E-A947-70E740481C1C}">
+                <a14:useLocalDpi xmlns:a14="http://schemas.microsoft.com/office/drawing/2010/main" val="0"/>
+              </a:ext>
+            </a:extLst>
+          </a:blip>
+          <a:stretch>
+            <a:fillRect/>
+          </a:stretch>
+        </p:blipFill>
+        <p:spPr>
+          <a:xfrm rot="2088518">
+            <a:off x="10842119" y="221172"/>
+            <a:ext cx="1128711" cy="1128711"/>
+          </a:xfrm>
+          <a:prstGeom prst="rect">
+            <a:avLst/>
+          </a:prstGeom>
+        </p:spPr>
+      </p:pic>
     </p:spTree>
     <p:extLst>
       <p:ext uri="{BB962C8B-B14F-4D97-AF65-F5344CB8AC3E}">
-        <p14:creationId xmlns:p14="http://schemas.microsoft.com/office/powerpoint/2010/main" val="2591414637"/>
+        <p14:creationId xmlns:p14="http://schemas.microsoft.com/office/powerpoint/2010/main" val="3421286756"/>
       </p:ext>
     </p:extLst>
   </p:cSld>
@@ -13995,48 +13785,12 @@
           </a:p>
         </p:txBody>
       </p:sp>
-      <p:pic>
-        <p:nvPicPr>
-          <p:cNvPr id="8" name="Picture 7" descr="A black background with a black square&#10;&#10;Description automatically generated with medium confidence">
-            <a:extLst>
-              <a:ext uri="{FF2B5EF4-FFF2-40B4-BE49-F238E27FC236}">
-                <a16:creationId xmlns:a16="http://schemas.microsoft.com/office/drawing/2014/main" id="{8364EEDE-A300-29C3-81A3-B7C3EAB959E4}"/>
-              </a:ext>
-            </a:extLst>
-          </p:cNvPr>
-          <p:cNvPicPr>
-            <a:picLocks noChangeAspect="1"/>
-          </p:cNvPicPr>
-          <p:nvPr/>
-        </p:nvPicPr>
-        <p:blipFill>
-          <a:blip r:embed="rId2">
-            <a:extLst>
-              <a:ext uri="{28A0092B-C50C-407E-A947-70E740481C1C}">
-                <a14:useLocalDpi xmlns:a14="http://schemas.microsoft.com/office/drawing/2010/main" val="0"/>
-              </a:ext>
-            </a:extLst>
-          </a:blip>
-          <a:stretch>
-            <a:fillRect/>
-          </a:stretch>
-        </p:blipFill>
-        <p:spPr>
-          <a:xfrm rot="2088518">
-            <a:off x="10842119" y="221172"/>
-            <a:ext cx="1128711" cy="1128711"/>
-          </a:xfrm>
-          <a:prstGeom prst="rect">
-            <a:avLst/>
-          </a:prstGeom>
-        </p:spPr>
-      </p:pic>
-      <p:sp>
-        <p:nvSpPr>
-          <p:cNvPr id="12" name="TextBox 11">
-            <a:extLst>
-              <a:ext uri="{FF2B5EF4-FFF2-40B4-BE49-F238E27FC236}">
-                <a16:creationId xmlns:a16="http://schemas.microsoft.com/office/drawing/2014/main" id="{E248BF78-D09B-455E-7F4D-E1FE641D485A}"/>
+      <p:sp>
+        <p:nvSpPr>
+          <p:cNvPr id="2" name="TextBox 1">
+            <a:extLst>
+              <a:ext uri="{FF2B5EF4-FFF2-40B4-BE49-F238E27FC236}">
+                <a16:creationId xmlns:a16="http://schemas.microsoft.com/office/drawing/2014/main" id="{99148382-FA64-4314-337F-9CA66D5716F0}"/>
               </a:ext>
             </a:extLst>
           </p:cNvPr>
@@ -14045,144 +13799,8 @@
         </p:nvSpPr>
         <p:spPr>
           <a:xfrm>
-            <a:off x="546422" y="2036347"/>
-            <a:ext cx="6953604" cy="2677656"/>
-          </a:xfrm>
-          <a:prstGeom prst="rect">
-            <a:avLst/>
-          </a:prstGeom>
-          <a:noFill/>
-        </p:spPr>
-        <p:txBody>
-          <a:bodyPr wrap="square">
-            <a:spAutoFit/>
-          </a:bodyPr>
-          <a:lstStyle/>
-          <a:p>
-            <a:pPr marL="457200" marR="0" indent="-457200">
-              <a:spcBef>
-                <a:spcPts val="0"/>
-              </a:spcBef>
-              <a:spcAft>
-                <a:spcPts val="0"/>
-              </a:spcAft>
-              <a:buFont typeface="Arial" panose="020B0604020202020204" pitchFamily="34" charset="0"/>
-              <a:buChar char="•"/>
-            </a:pPr>
-            <a:r>
-              <a:rPr lang="en-US" sz="2800">
-                <a:effectLst/>
-                <a:latin typeface="Calibri" panose="020F0502020204030204" pitchFamily="34" charset="0"/>
-                <a:ea typeface="Calibri" panose="020F0502020204030204" pitchFamily="34" charset="0"/>
-                <a:cs typeface="Calibri" panose="020F0502020204030204" pitchFamily="34" charset="0"/>
-              </a:rPr>
-              <a:t>Mở rộng tính năng như thêm các sản phẩm liên quan.</a:t>
-            </a:r>
-          </a:p>
-          <a:p>
-            <a:pPr marL="457200" marR="0" indent="-457200">
-              <a:spcBef>
-                <a:spcPts val="0"/>
-              </a:spcBef>
-              <a:spcAft>
-                <a:spcPts val="0"/>
-              </a:spcAft>
-              <a:buFont typeface="Arial" panose="020B0604020202020204" pitchFamily="34" charset="0"/>
-              <a:buChar char="•"/>
-            </a:pPr>
-            <a:r>
-              <a:rPr lang="en-US" sz="2800">
-                <a:latin typeface="Calibri" panose="020F0502020204030204" pitchFamily="34" charset="0"/>
-                <a:ea typeface="Calibri" panose="020F0502020204030204" pitchFamily="34" charset="0"/>
-                <a:cs typeface="Calibri" panose="020F0502020204030204" pitchFamily="34" charset="0"/>
-              </a:rPr>
-              <a:t>Đa dạng danh mục sản phẩm hơn.</a:t>
-            </a:r>
-            <a:endParaRPr lang="en-US" sz="2800">
-              <a:effectLst/>
-              <a:latin typeface="Calibri" panose="020F0502020204030204" pitchFamily="34" charset="0"/>
-              <a:ea typeface="Calibri" panose="020F0502020204030204" pitchFamily="34" charset="0"/>
-              <a:cs typeface="Calibri" panose="020F0502020204030204" pitchFamily="34" charset="0"/>
-            </a:endParaRPr>
-          </a:p>
-          <a:p>
-            <a:pPr marL="457200" marR="0" indent="-457200">
-              <a:spcBef>
-                <a:spcPts val="0"/>
-              </a:spcBef>
-              <a:spcAft>
-                <a:spcPts val="0"/>
-              </a:spcAft>
-              <a:buFont typeface="Arial" panose="020B0604020202020204" pitchFamily="34" charset="0"/>
-              <a:buChar char="•"/>
-            </a:pPr>
-            <a:r>
-              <a:rPr lang="en-US" sz="2800">
-                <a:latin typeface="Calibri" panose="020F0502020204030204" pitchFamily="34" charset="0"/>
-                <a:ea typeface="Calibri" panose="020F0502020204030204" pitchFamily="34" charset="0"/>
-                <a:cs typeface="Calibri" panose="020F0502020204030204" pitchFamily="34" charset="0"/>
-              </a:rPr>
-              <a:t>Thống kê doanh thu.</a:t>
-            </a:r>
-          </a:p>
-          <a:p>
-            <a:pPr marL="457200" marR="0" indent="-457200">
-              <a:spcBef>
-                <a:spcPts val="0"/>
-              </a:spcBef>
-              <a:spcAft>
-                <a:spcPts val="0"/>
-              </a:spcAft>
-              <a:buFont typeface="Arial" panose="020B0604020202020204" pitchFamily="34" charset="0"/>
-              <a:buChar char="•"/>
-            </a:pPr>
-            <a:r>
-              <a:rPr lang="en-US" sz="2800">
-                <a:latin typeface="Calibri" panose="020F0502020204030204" pitchFamily="34" charset="0"/>
-                <a:ea typeface="Calibri" panose="020F0502020204030204" pitchFamily="34" charset="0"/>
-                <a:cs typeface="Calibri" panose="020F0502020204030204" pitchFamily="34" charset="0"/>
-              </a:rPr>
-              <a:t>Thanh toán online.</a:t>
-            </a:r>
-          </a:p>
-          <a:p>
-            <a:pPr marL="457200" marR="0" indent="-457200">
-              <a:spcBef>
-                <a:spcPts val="0"/>
-              </a:spcBef>
-              <a:spcAft>
-                <a:spcPts val="0"/>
-              </a:spcAft>
-              <a:buFont typeface="Arial" panose="020B0604020202020204" pitchFamily="34" charset="0"/>
-              <a:buChar char="•"/>
-            </a:pPr>
-            <a:r>
-              <a:rPr lang="en-US" sz="2800">
-                <a:latin typeface="Calibri" panose="020F0502020204030204" pitchFamily="34" charset="0"/>
-                <a:ea typeface="Calibri" panose="020F0502020204030204" pitchFamily="34" charset="0"/>
-                <a:cs typeface="Calibri" panose="020F0502020204030204" pitchFamily="34" charset="0"/>
-              </a:rPr>
-              <a:t>Cải thiện giao diện website.</a:t>
-            </a:r>
-          </a:p>
-        </p:txBody>
-      </p:sp>
-      <p:sp>
-        <p:nvSpPr>
-          <p:cNvPr id="2" name="TextBox 1">
-            <a:extLst>
-              <a:ext uri="{FF2B5EF4-FFF2-40B4-BE49-F238E27FC236}">
-                <a16:creationId xmlns:a16="http://schemas.microsoft.com/office/drawing/2014/main" id="{012931A3-660A-1B93-66DD-326AC55BE17B}"/>
-              </a:ext>
-            </a:extLst>
-          </p:cNvPr>
-          <p:cNvSpPr txBox="1"/>
-          <p:nvPr/>
-        </p:nvSpPr>
-        <p:spPr>
-          <a:xfrm>
-            <a:off x="546421" y="785527"/>
-            <a:ext cx="5874043" cy="920252"/>
+            <a:off x="546422" y="785527"/>
+            <a:ext cx="9171510" cy="920252"/>
           </a:xfrm>
           <a:prstGeom prst="rect">
             <a:avLst/>
@@ -14215,7 +13833,7 @@
                 <a:ea typeface="Tahoma" panose="020B0604030504040204" pitchFamily="34" charset="0"/>
                 <a:cs typeface="Tahoma" panose="020B0604030504040204" pitchFamily="34" charset="0"/>
               </a:rPr>
-              <a:t>HƯỚNG PHÁT TRIỂN</a:t>
+              <a:t>KẾT QUẢ ĐẠT ĐƯỢC</a:t>
             </a:r>
             <a:endParaRPr lang="en-US" sz="4000">
               <a:effectLst/>
@@ -14228,10 +13846,46 @@
       </p:sp>
       <p:pic>
         <p:nvPicPr>
-          <p:cNvPr id="3" name="Picture 2" descr="Development - Free business icons">
-            <a:extLst>
-              <a:ext uri="{FF2B5EF4-FFF2-40B4-BE49-F238E27FC236}">
-                <a16:creationId xmlns:a16="http://schemas.microsoft.com/office/drawing/2014/main" id="{96D9D01B-CEE5-AE70-7C28-50148E3D2A2F}"/>
+          <p:cNvPr id="8" name="Picture 7" descr="A black background with a black square&#10;&#10;Description automatically generated with medium confidence">
+            <a:extLst>
+              <a:ext uri="{FF2B5EF4-FFF2-40B4-BE49-F238E27FC236}">
+                <a16:creationId xmlns:a16="http://schemas.microsoft.com/office/drawing/2014/main" id="{8364EEDE-A300-29C3-81A3-B7C3EAB959E4}"/>
+              </a:ext>
+            </a:extLst>
+          </p:cNvPr>
+          <p:cNvPicPr>
+            <a:picLocks noChangeAspect="1"/>
+          </p:cNvPicPr>
+          <p:nvPr/>
+        </p:nvPicPr>
+        <p:blipFill>
+          <a:blip r:embed="rId2">
+            <a:extLst>
+              <a:ext uri="{28A0092B-C50C-407E-A947-70E740481C1C}">
+                <a14:useLocalDpi xmlns:a14="http://schemas.microsoft.com/office/drawing/2010/main" val="0"/>
+              </a:ext>
+            </a:extLst>
+          </a:blip>
+          <a:stretch>
+            <a:fillRect/>
+          </a:stretch>
+        </p:blipFill>
+        <p:spPr>
+          <a:xfrm rot="2088518">
+            <a:off x="10842119" y="221172"/>
+            <a:ext cx="1128711" cy="1128711"/>
+          </a:xfrm>
+          <a:prstGeom prst="rect">
+            <a:avLst/>
+          </a:prstGeom>
+        </p:spPr>
+      </p:pic>
+      <p:pic>
+        <p:nvPicPr>
+          <p:cNvPr id="3" name="Picture 2" descr="Result - Free files and folders icons">
+            <a:extLst>
+              <a:ext uri="{FF2B5EF4-FFF2-40B4-BE49-F238E27FC236}">
+                <a16:creationId xmlns:a16="http://schemas.microsoft.com/office/drawing/2014/main" id="{FE72CBF3-EAC9-2DB7-157B-307AC34960B6}"/>
               </a:ext>
             </a:extLst>
           </p:cNvPr>
@@ -14255,8 +13909,8 @@
         </p:blipFill>
         <p:spPr bwMode="auto">
           <a:xfrm>
-            <a:off x="7302046" y="1571055"/>
-            <a:ext cx="3404419" cy="3404419"/>
+            <a:off x="7105181" y="785527"/>
+            <a:ext cx="3764745" cy="3764745"/>
           </a:xfrm>
           <a:prstGeom prst="rect">
             <a:avLst/>
@@ -14273,10 +13927,87 @@
           </a:extLst>
         </p:spPr>
       </p:pic>
+      <p:sp>
+        <p:nvSpPr>
+          <p:cNvPr id="5" name="TextBox 4">
+            <a:extLst>
+              <a:ext uri="{FF2B5EF4-FFF2-40B4-BE49-F238E27FC236}">
+                <a16:creationId xmlns:a16="http://schemas.microsoft.com/office/drawing/2014/main" id="{0453BC89-B9F4-A3A0-5EA1-FA80D541CF86}"/>
+              </a:ext>
+            </a:extLst>
+          </p:cNvPr>
+          <p:cNvSpPr txBox="1"/>
+          <p:nvPr/>
+        </p:nvSpPr>
+        <p:spPr>
+          <a:xfrm>
+            <a:off x="546421" y="2036347"/>
+            <a:ext cx="6155935" cy="2054665"/>
+          </a:xfrm>
+          <a:prstGeom prst="rect">
+            <a:avLst/>
+          </a:prstGeom>
+          <a:noFill/>
+        </p:spPr>
+        <p:txBody>
+          <a:bodyPr wrap="square">
+            <a:spAutoFit/>
+          </a:bodyPr>
+          <a:lstStyle/>
+          <a:p>
+            <a:pPr marR="0" indent="457200">
+              <a:lnSpc>
+                <a:spcPct val="150000"/>
+              </a:lnSpc>
+              <a:spcBef>
+                <a:spcPts val="0"/>
+              </a:spcBef>
+              <a:spcAft>
+                <a:spcPts val="0"/>
+              </a:spcAft>
+            </a:pPr>
+            <a:r>
+              <a:rPr lang="en-US" sz="2200">
+                <a:solidFill>
+                  <a:srgbClr val="000000"/>
+                </a:solidFill>
+                <a:latin typeface="Tahoma" panose="020B0604030504040204" pitchFamily="34" charset="0"/>
+                <a:ea typeface="Tahoma" panose="020B0604030504040204" pitchFamily="34" charset="0"/>
+                <a:cs typeface="Tahoma" panose="020B0604030504040204" pitchFamily="34" charset="0"/>
+              </a:rPr>
+              <a:t>Xây dựng được một website có các chức năng cơ bản của một trang website thương mại điện tử như mong muốn.</a:t>
+            </a:r>
+          </a:p>
+          <a:p>
+            <a:pPr marR="0" indent="457200">
+              <a:lnSpc>
+                <a:spcPct val="150000"/>
+              </a:lnSpc>
+              <a:spcBef>
+                <a:spcPts val="0"/>
+              </a:spcBef>
+              <a:spcAft>
+                <a:spcPts val="0"/>
+              </a:spcAft>
+            </a:pPr>
+            <a:r>
+              <a:rPr lang="en-US" sz="2200">
+                <a:solidFill>
+                  <a:srgbClr val="000000"/>
+                </a:solidFill>
+                <a:latin typeface="Tahoma" panose="020B0604030504040204" pitchFamily="34" charset="0"/>
+                <a:ea typeface="Tahoma" panose="020B0604030504040204" pitchFamily="34" charset="0"/>
+                <a:cs typeface="Tahoma" panose="020B0604030504040204" pitchFamily="34" charset="0"/>
+              </a:rPr>
+              <a:t>Giao diện thân thiện, dễ tương tác</a:t>
+            </a:r>
+          </a:p>
+        </p:txBody>
+      </p:sp>
     </p:spTree>
     <p:extLst>
       <p:ext uri="{BB962C8B-B14F-4D97-AF65-F5344CB8AC3E}">
-        <p14:creationId xmlns:p14="http://schemas.microsoft.com/office/powerpoint/2010/main" val="2622364386"/>
+        <p14:creationId xmlns:p14="http://schemas.microsoft.com/office/powerpoint/2010/main" val="577987377"/>
       </p:ext>
     </p:extLst>
   </p:cSld>
@@ -14327,6 +14058,755 @@
             <a:fld id="{D16EA1EE-1AB6-40C4-ADCB-7B395AD295B2}" type="slidenum">
               <a:rPr lang="en-US" smtClean="0"/>
               <a:t>15</a:t>
+            </a:fld>
+            <a:endParaRPr lang="en-US"/>
+          </a:p>
+        </p:txBody>
+      </p:sp>
+      <p:sp>
+        <p:nvSpPr>
+          <p:cNvPr id="7" name="Rectangle 6">
+            <a:extLst>
+              <a:ext uri="{FF2B5EF4-FFF2-40B4-BE49-F238E27FC236}">
+                <a16:creationId xmlns:a16="http://schemas.microsoft.com/office/drawing/2014/main" id="{C2451C5B-9F1F-6C7C-BFE2-853FC34ABAB3}"/>
+              </a:ext>
+            </a:extLst>
+          </p:cNvPr>
+          <p:cNvSpPr/>
+          <p:nvPr/>
+        </p:nvSpPr>
+        <p:spPr>
+          <a:xfrm>
+            <a:off x="98323" y="98323"/>
+            <a:ext cx="11995354" cy="6666271"/>
+          </a:xfrm>
+          <a:prstGeom prst="rect">
+            <a:avLst/>
+          </a:prstGeom>
+          <a:noFill/>
+        </p:spPr>
+        <p:style>
+          <a:lnRef idx="2">
+            <a:schemeClr val="accent1">
+              <a:shade val="15000"/>
+            </a:schemeClr>
+          </a:lnRef>
+          <a:fillRef idx="1">
+            <a:schemeClr val="accent1"/>
+          </a:fillRef>
+          <a:effectRef idx="0">
+            <a:schemeClr val="accent1"/>
+          </a:effectRef>
+          <a:fontRef idx="minor">
+            <a:schemeClr val="lt1"/>
+          </a:fontRef>
+        </p:style>
+        <p:txBody>
+          <a:bodyPr rtlCol="0" anchor="ctr"/>
+          <a:lstStyle/>
+          <a:p>
+            <a:pPr algn="ctr"/>
+            <a:endParaRPr lang="en-US"/>
+          </a:p>
+        </p:txBody>
+      </p:sp>
+      <p:pic>
+        <p:nvPicPr>
+          <p:cNvPr id="8" name="Picture 7" descr="A black background with a black square&#10;&#10;Description automatically generated with medium confidence">
+            <a:extLst>
+              <a:ext uri="{FF2B5EF4-FFF2-40B4-BE49-F238E27FC236}">
+                <a16:creationId xmlns:a16="http://schemas.microsoft.com/office/drawing/2014/main" id="{8364EEDE-A300-29C3-81A3-B7C3EAB959E4}"/>
+              </a:ext>
+            </a:extLst>
+          </p:cNvPr>
+          <p:cNvPicPr>
+            <a:picLocks noChangeAspect="1"/>
+          </p:cNvPicPr>
+          <p:nvPr/>
+        </p:nvPicPr>
+        <p:blipFill>
+          <a:blip r:embed="rId2">
+            <a:extLst>
+              <a:ext uri="{28A0092B-C50C-407E-A947-70E740481C1C}">
+                <a14:useLocalDpi xmlns:a14="http://schemas.microsoft.com/office/drawing/2010/main" val="0"/>
+              </a:ext>
+            </a:extLst>
+          </a:blip>
+          <a:stretch>
+            <a:fillRect/>
+          </a:stretch>
+        </p:blipFill>
+        <p:spPr>
+          <a:xfrm rot="2088518">
+            <a:off x="10842119" y="221172"/>
+            <a:ext cx="1128711" cy="1128711"/>
+          </a:xfrm>
+          <a:prstGeom prst="rect">
+            <a:avLst/>
+          </a:prstGeom>
+        </p:spPr>
+      </p:pic>
+      <p:sp>
+        <p:nvSpPr>
+          <p:cNvPr id="10" name="TextBox 9">
+            <a:extLst>
+              <a:ext uri="{FF2B5EF4-FFF2-40B4-BE49-F238E27FC236}">
+                <a16:creationId xmlns:a16="http://schemas.microsoft.com/office/drawing/2014/main" id="{A15E0C14-68A5-542B-8056-FD7DED6D3FD7}"/>
+              </a:ext>
+            </a:extLst>
+          </p:cNvPr>
+          <p:cNvSpPr txBox="1"/>
+          <p:nvPr/>
+        </p:nvSpPr>
+        <p:spPr>
+          <a:xfrm>
+            <a:off x="546422" y="785527"/>
+            <a:ext cx="5549578" cy="890115"/>
+          </a:xfrm>
+          <a:prstGeom prst="rect">
+            <a:avLst/>
+          </a:prstGeom>
+          <a:noFill/>
+        </p:spPr>
+        <p:txBody>
+          <a:bodyPr wrap="square">
+            <a:spAutoFit/>
+          </a:bodyPr>
+          <a:lstStyle/>
+          <a:p>
+            <a:pPr marR="0">
+              <a:lnSpc>
+                <a:spcPct val="150000"/>
+              </a:lnSpc>
+              <a:spcBef>
+                <a:spcPts val="0"/>
+              </a:spcBef>
+              <a:spcAft>
+                <a:spcPts val="0"/>
+              </a:spcAft>
+            </a:pPr>
+            <a:r>
+              <a:rPr lang="en-US" sz="4000" b="1">
+                <a:solidFill>
+                  <a:srgbClr val="000000"/>
+                </a:solidFill>
+                <a:latin typeface="Tahoma" panose="020B0604030504040204" pitchFamily="34" charset="0"/>
+                <a:ea typeface="Tahoma" panose="020B0604030504040204" pitchFamily="34" charset="0"/>
+                <a:cs typeface="Tahoma" panose="020B0604030504040204" pitchFamily="34" charset="0"/>
+              </a:rPr>
+              <a:t>HẠN CHẾ</a:t>
+            </a:r>
+            <a:endParaRPr lang="en-US" sz="4000">
+              <a:effectLst/>
+              <a:latin typeface="Tahoma" panose="020B0604030504040204" pitchFamily="34" charset="0"/>
+              <a:ea typeface="Tahoma" panose="020B0604030504040204" pitchFamily="34" charset="0"/>
+              <a:cs typeface="Tahoma" panose="020B0604030504040204" pitchFamily="34" charset="0"/>
+            </a:endParaRPr>
+          </a:p>
+        </p:txBody>
+      </p:sp>
+      <p:sp>
+        <p:nvSpPr>
+          <p:cNvPr id="12" name="TextBox 11">
+            <a:extLst>
+              <a:ext uri="{FF2B5EF4-FFF2-40B4-BE49-F238E27FC236}">
+                <a16:creationId xmlns:a16="http://schemas.microsoft.com/office/drawing/2014/main" id="{E248BF78-D09B-455E-7F4D-E1FE641D485A}"/>
+              </a:ext>
+            </a:extLst>
+          </p:cNvPr>
+          <p:cNvSpPr txBox="1"/>
+          <p:nvPr/>
+        </p:nvSpPr>
+        <p:spPr>
+          <a:xfrm>
+            <a:off x="546422" y="2036347"/>
+            <a:ext cx="6895238" cy="2677656"/>
+          </a:xfrm>
+          <a:prstGeom prst="rect">
+            <a:avLst/>
+          </a:prstGeom>
+          <a:noFill/>
+        </p:spPr>
+        <p:txBody>
+          <a:bodyPr wrap="square">
+            <a:spAutoFit/>
+          </a:bodyPr>
+          <a:lstStyle/>
+          <a:p>
+            <a:pPr marL="457200" marR="0" indent="-457200">
+              <a:spcBef>
+                <a:spcPts val="0"/>
+              </a:spcBef>
+              <a:spcAft>
+                <a:spcPts val="0"/>
+              </a:spcAft>
+              <a:buFont typeface="Arial" panose="020B0604020202020204" pitchFamily="34" charset="0"/>
+              <a:buChar char="•"/>
+            </a:pPr>
+            <a:r>
+              <a:rPr lang="en-US" sz="2800">
+                <a:effectLst/>
+                <a:latin typeface="Calibri" panose="020F0502020204030204" pitchFamily="34" charset="0"/>
+                <a:ea typeface="Calibri" panose="020F0502020204030204" pitchFamily="34" charset="0"/>
+                <a:cs typeface="Calibri" panose="020F0502020204030204" pitchFamily="34" charset="0"/>
+              </a:rPr>
+              <a:t>Danh mục sản phẩm chưa đa dạng.</a:t>
+            </a:r>
+          </a:p>
+          <a:p>
+            <a:pPr marL="457200" marR="0" indent="-457200">
+              <a:spcBef>
+                <a:spcPts val="0"/>
+              </a:spcBef>
+              <a:spcAft>
+                <a:spcPts val="0"/>
+              </a:spcAft>
+              <a:buFont typeface="Arial" panose="020B0604020202020204" pitchFamily="34" charset="0"/>
+              <a:buChar char="•"/>
+            </a:pPr>
+            <a:r>
+              <a:rPr lang="en-US" sz="2800">
+                <a:latin typeface="Calibri" panose="020F0502020204030204" pitchFamily="34" charset="0"/>
+                <a:ea typeface="Calibri" panose="020F0502020204030204" pitchFamily="34" charset="0"/>
+                <a:cs typeface="Calibri" panose="020F0502020204030204" pitchFamily="34" charset="0"/>
+              </a:rPr>
+              <a:t>Chưa có bình luận, yêu thích và đánh giá sản phẩm.</a:t>
+            </a:r>
+            <a:endParaRPr lang="en-US" sz="2800">
+              <a:effectLst/>
+              <a:latin typeface="Calibri" panose="020F0502020204030204" pitchFamily="34" charset="0"/>
+              <a:ea typeface="Calibri" panose="020F0502020204030204" pitchFamily="34" charset="0"/>
+              <a:cs typeface="Calibri" panose="020F0502020204030204" pitchFamily="34" charset="0"/>
+            </a:endParaRPr>
+          </a:p>
+          <a:p>
+            <a:pPr marL="457200" marR="0" indent="-457200">
+              <a:spcBef>
+                <a:spcPts val="0"/>
+              </a:spcBef>
+              <a:spcAft>
+                <a:spcPts val="0"/>
+              </a:spcAft>
+              <a:buFont typeface="Arial" panose="020B0604020202020204" pitchFamily="34" charset="0"/>
+              <a:buChar char="•"/>
+            </a:pPr>
+            <a:r>
+              <a:rPr lang="en-US" sz="2800">
+                <a:effectLst/>
+                <a:latin typeface="Calibri" panose="020F0502020204030204" pitchFamily="34" charset="0"/>
+                <a:ea typeface="Calibri" panose="020F0502020204030204" pitchFamily="34" charset="0"/>
+                <a:cs typeface="Calibri" panose="020F0502020204030204" pitchFamily="34" charset="0"/>
+              </a:rPr>
+              <a:t>Giao diện còn khá sơ sài, chưa ưa nhìn.</a:t>
+            </a:r>
+          </a:p>
+          <a:p>
+            <a:pPr marL="457200" marR="0" indent="-457200">
+              <a:spcBef>
+                <a:spcPts val="0"/>
+              </a:spcBef>
+              <a:spcAft>
+                <a:spcPts val="0"/>
+              </a:spcAft>
+              <a:buFont typeface="Arial" panose="020B0604020202020204" pitchFamily="34" charset="0"/>
+              <a:buChar char="•"/>
+            </a:pPr>
+            <a:r>
+              <a:rPr lang="en-US" sz="2800">
+                <a:latin typeface="Calibri" panose="020F0502020204030204" pitchFamily="34" charset="0"/>
+                <a:ea typeface="Calibri" panose="020F0502020204030204" pitchFamily="34" charset="0"/>
+                <a:cs typeface="Calibri" panose="020F0502020204030204" pitchFamily="34" charset="0"/>
+              </a:rPr>
+              <a:t>Chưa có thống kê doanh thu và thanh toán online.</a:t>
+            </a:r>
+          </a:p>
+        </p:txBody>
+      </p:sp>
+      <p:pic>
+        <p:nvPicPr>
+          <p:cNvPr id="13" name="Picture 4" descr="Restrict Icons - Free SVG &amp; PNG Restrict Images - Noun Project">
+            <a:extLst>
+              <a:ext uri="{FF2B5EF4-FFF2-40B4-BE49-F238E27FC236}">
+                <a16:creationId xmlns:a16="http://schemas.microsoft.com/office/drawing/2014/main" id="{CE5294D3-6CA4-A7B5-B36E-DFC14AE1A20D}"/>
+              </a:ext>
+            </a:extLst>
+          </p:cNvPr>
+          <p:cNvPicPr>
+            <a:picLocks noChangeAspect="1" noChangeArrowheads="1"/>
+          </p:cNvPicPr>
+          <p:nvPr/>
+        </p:nvPicPr>
+        <p:blipFill>
+          <a:blip r:embed="rId3">
+            <a:extLst>
+              <a:ext uri="{28A0092B-C50C-407E-A947-70E740481C1C}">
+                <a14:useLocalDpi xmlns:a14="http://schemas.microsoft.com/office/drawing/2010/main" val="0"/>
+              </a:ext>
+            </a:extLst>
+          </a:blip>
+          <a:srcRect/>
+          <a:stretch>
+            <a:fillRect/>
+          </a:stretch>
+        </p:blipFill>
+        <p:spPr bwMode="auto">
+          <a:xfrm>
+            <a:off x="7361203" y="1835121"/>
+            <a:ext cx="3187758" cy="3187758"/>
+          </a:xfrm>
+          <a:prstGeom prst="rect">
+            <a:avLst/>
+          </a:prstGeom>
+          <a:noFill/>
+          <a:extLst>
+            <a:ext uri="{909E8E84-426E-40DD-AFC4-6F175D3DCCD1}">
+              <a14:hiddenFill xmlns:a14="http://schemas.microsoft.com/office/drawing/2010/main">
+                <a:solidFill>
+                  <a:srgbClr val="FFFFFF"/>
+                </a:solidFill>
+              </a14:hiddenFill>
+            </a:ext>
+          </a:extLst>
+        </p:spPr>
+      </p:pic>
+    </p:spTree>
+    <p:extLst>
+      <p:ext uri="{BB962C8B-B14F-4D97-AF65-F5344CB8AC3E}">
+        <p14:creationId xmlns:p14="http://schemas.microsoft.com/office/powerpoint/2010/main" val="2591414637"/>
+      </p:ext>
+    </p:extLst>
+  </p:cSld>
+  <p:clrMapOvr>
+    <a:masterClrMapping/>
+  </p:clrMapOvr>
+</p:sld>
+</file>
+
+<file path=ppt/slides/slide16.xml><?xml version="1.0" encoding="utf-8"?>
+<p:sld xmlns:a="http://schemas.openxmlformats.org/drawingml/2006/main" xmlns:r="http://schemas.openxmlformats.org/officeDocument/2006/relationships" xmlns:p="http://schemas.openxmlformats.org/presentationml/2006/main">
+  <p:cSld>
+    <p:spTree>
+      <p:nvGrpSpPr>
+        <p:cNvPr id="1" name=""/>
+        <p:cNvGrpSpPr/>
+        <p:nvPr/>
+      </p:nvGrpSpPr>
+      <p:grpSpPr>
+        <a:xfrm>
+          <a:off x="0" y="0"/>
+          <a:ext cx="0" cy="0"/>
+          <a:chOff x="0" y="0"/>
+          <a:chExt cx="0" cy="0"/>
+        </a:xfrm>
+      </p:grpSpPr>
+      <p:sp>
+        <p:nvSpPr>
+          <p:cNvPr id="4" name="Slide Number Placeholder 3">
+            <a:extLst>
+              <a:ext uri="{FF2B5EF4-FFF2-40B4-BE49-F238E27FC236}">
+                <a16:creationId xmlns:a16="http://schemas.microsoft.com/office/drawing/2014/main" id="{7FD7F6F3-2944-B59F-2AF4-F1A84A5551EA}"/>
+              </a:ext>
+            </a:extLst>
+          </p:cNvPr>
+          <p:cNvSpPr>
+            <a:spLocks noGrp="1"/>
+          </p:cNvSpPr>
+          <p:nvPr>
+            <p:ph type="sldNum" sz="quarter" idx="12"/>
+          </p:nvPr>
+        </p:nvSpPr>
+        <p:spPr/>
+        <p:txBody>
+          <a:bodyPr/>
+          <a:lstStyle/>
+          <a:p>
+            <a:fld id="{D16EA1EE-1AB6-40C4-ADCB-7B395AD295B2}" type="slidenum">
+              <a:rPr lang="en-US" smtClean="0"/>
+              <a:t>16</a:t>
+            </a:fld>
+            <a:endParaRPr lang="en-US"/>
+          </a:p>
+        </p:txBody>
+      </p:sp>
+      <p:sp>
+        <p:nvSpPr>
+          <p:cNvPr id="7" name="Rectangle 6">
+            <a:extLst>
+              <a:ext uri="{FF2B5EF4-FFF2-40B4-BE49-F238E27FC236}">
+                <a16:creationId xmlns:a16="http://schemas.microsoft.com/office/drawing/2014/main" id="{C2451C5B-9F1F-6C7C-BFE2-853FC34ABAB3}"/>
+              </a:ext>
+            </a:extLst>
+          </p:cNvPr>
+          <p:cNvSpPr/>
+          <p:nvPr/>
+        </p:nvSpPr>
+        <p:spPr>
+          <a:xfrm>
+            <a:off x="98323" y="98323"/>
+            <a:ext cx="11995354" cy="6666271"/>
+          </a:xfrm>
+          <a:prstGeom prst="rect">
+            <a:avLst/>
+          </a:prstGeom>
+          <a:noFill/>
+        </p:spPr>
+        <p:style>
+          <a:lnRef idx="2">
+            <a:schemeClr val="accent1">
+              <a:shade val="15000"/>
+            </a:schemeClr>
+          </a:lnRef>
+          <a:fillRef idx="1">
+            <a:schemeClr val="accent1"/>
+          </a:fillRef>
+          <a:effectRef idx="0">
+            <a:schemeClr val="accent1"/>
+          </a:effectRef>
+          <a:fontRef idx="minor">
+            <a:schemeClr val="lt1"/>
+          </a:fontRef>
+        </p:style>
+        <p:txBody>
+          <a:bodyPr rtlCol="0" anchor="ctr"/>
+          <a:lstStyle/>
+          <a:p>
+            <a:pPr algn="ctr"/>
+            <a:endParaRPr lang="en-US"/>
+          </a:p>
+        </p:txBody>
+      </p:sp>
+      <p:pic>
+        <p:nvPicPr>
+          <p:cNvPr id="8" name="Picture 7" descr="A black background with a black square&#10;&#10;Description automatically generated with medium confidence">
+            <a:extLst>
+              <a:ext uri="{FF2B5EF4-FFF2-40B4-BE49-F238E27FC236}">
+                <a16:creationId xmlns:a16="http://schemas.microsoft.com/office/drawing/2014/main" id="{8364EEDE-A300-29C3-81A3-B7C3EAB959E4}"/>
+              </a:ext>
+            </a:extLst>
+          </p:cNvPr>
+          <p:cNvPicPr>
+            <a:picLocks noChangeAspect="1"/>
+          </p:cNvPicPr>
+          <p:nvPr/>
+        </p:nvPicPr>
+        <p:blipFill>
+          <a:blip r:embed="rId2">
+            <a:extLst>
+              <a:ext uri="{28A0092B-C50C-407E-A947-70E740481C1C}">
+                <a14:useLocalDpi xmlns:a14="http://schemas.microsoft.com/office/drawing/2010/main" val="0"/>
+              </a:ext>
+            </a:extLst>
+          </a:blip>
+          <a:stretch>
+            <a:fillRect/>
+          </a:stretch>
+        </p:blipFill>
+        <p:spPr>
+          <a:xfrm rot="2088518">
+            <a:off x="10842119" y="221172"/>
+            <a:ext cx="1128711" cy="1128711"/>
+          </a:xfrm>
+          <a:prstGeom prst="rect">
+            <a:avLst/>
+          </a:prstGeom>
+        </p:spPr>
+      </p:pic>
+      <p:sp>
+        <p:nvSpPr>
+          <p:cNvPr id="12" name="TextBox 11">
+            <a:extLst>
+              <a:ext uri="{FF2B5EF4-FFF2-40B4-BE49-F238E27FC236}">
+                <a16:creationId xmlns:a16="http://schemas.microsoft.com/office/drawing/2014/main" id="{E248BF78-D09B-455E-7F4D-E1FE641D485A}"/>
+              </a:ext>
+            </a:extLst>
+          </p:cNvPr>
+          <p:cNvSpPr txBox="1"/>
+          <p:nvPr/>
+        </p:nvSpPr>
+        <p:spPr>
+          <a:xfrm>
+            <a:off x="546422" y="2036347"/>
+            <a:ext cx="6953604" cy="2677656"/>
+          </a:xfrm>
+          <a:prstGeom prst="rect">
+            <a:avLst/>
+          </a:prstGeom>
+          <a:noFill/>
+        </p:spPr>
+        <p:txBody>
+          <a:bodyPr wrap="square">
+            <a:spAutoFit/>
+          </a:bodyPr>
+          <a:lstStyle/>
+          <a:p>
+            <a:pPr marL="457200" marR="0" indent="-457200">
+              <a:spcBef>
+                <a:spcPts val="0"/>
+              </a:spcBef>
+              <a:spcAft>
+                <a:spcPts val="0"/>
+              </a:spcAft>
+              <a:buFont typeface="Arial" panose="020B0604020202020204" pitchFamily="34" charset="0"/>
+              <a:buChar char="•"/>
+            </a:pPr>
+            <a:r>
+              <a:rPr lang="en-US" sz="2800">
+                <a:effectLst/>
+                <a:latin typeface="Calibri" panose="020F0502020204030204" pitchFamily="34" charset="0"/>
+                <a:ea typeface="Calibri" panose="020F0502020204030204" pitchFamily="34" charset="0"/>
+                <a:cs typeface="Calibri" panose="020F0502020204030204" pitchFamily="34" charset="0"/>
+              </a:rPr>
+              <a:t>Mở rộng tính năng như thêm các sản phẩm liên quan.</a:t>
+            </a:r>
+          </a:p>
+          <a:p>
+            <a:pPr marL="457200" marR="0" indent="-457200">
+              <a:spcBef>
+                <a:spcPts val="0"/>
+              </a:spcBef>
+              <a:spcAft>
+                <a:spcPts val="0"/>
+              </a:spcAft>
+              <a:buFont typeface="Arial" panose="020B0604020202020204" pitchFamily="34" charset="0"/>
+              <a:buChar char="•"/>
+            </a:pPr>
+            <a:r>
+              <a:rPr lang="en-US" sz="2800">
+                <a:latin typeface="Calibri" panose="020F0502020204030204" pitchFamily="34" charset="0"/>
+                <a:ea typeface="Calibri" panose="020F0502020204030204" pitchFamily="34" charset="0"/>
+                <a:cs typeface="Calibri" panose="020F0502020204030204" pitchFamily="34" charset="0"/>
+              </a:rPr>
+              <a:t>Đa dạng danh mục sản phẩm hơn.</a:t>
+            </a:r>
+            <a:endParaRPr lang="en-US" sz="2800">
+              <a:effectLst/>
+              <a:latin typeface="Calibri" panose="020F0502020204030204" pitchFamily="34" charset="0"/>
+              <a:ea typeface="Calibri" panose="020F0502020204030204" pitchFamily="34" charset="0"/>
+              <a:cs typeface="Calibri" panose="020F0502020204030204" pitchFamily="34" charset="0"/>
+            </a:endParaRPr>
+          </a:p>
+          <a:p>
+            <a:pPr marL="457200" marR="0" indent="-457200">
+              <a:spcBef>
+                <a:spcPts val="0"/>
+              </a:spcBef>
+              <a:spcAft>
+                <a:spcPts val="0"/>
+              </a:spcAft>
+              <a:buFont typeface="Arial" panose="020B0604020202020204" pitchFamily="34" charset="0"/>
+              <a:buChar char="•"/>
+            </a:pPr>
+            <a:r>
+              <a:rPr lang="en-US" sz="2800">
+                <a:latin typeface="Calibri" panose="020F0502020204030204" pitchFamily="34" charset="0"/>
+                <a:ea typeface="Calibri" panose="020F0502020204030204" pitchFamily="34" charset="0"/>
+                <a:cs typeface="Calibri" panose="020F0502020204030204" pitchFamily="34" charset="0"/>
+              </a:rPr>
+              <a:t>Thống kê doanh thu.</a:t>
+            </a:r>
+          </a:p>
+          <a:p>
+            <a:pPr marL="457200" marR="0" indent="-457200">
+              <a:spcBef>
+                <a:spcPts val="0"/>
+              </a:spcBef>
+              <a:spcAft>
+                <a:spcPts val="0"/>
+              </a:spcAft>
+              <a:buFont typeface="Arial" panose="020B0604020202020204" pitchFamily="34" charset="0"/>
+              <a:buChar char="•"/>
+            </a:pPr>
+            <a:r>
+              <a:rPr lang="en-US" sz="2800">
+                <a:latin typeface="Calibri" panose="020F0502020204030204" pitchFamily="34" charset="0"/>
+                <a:ea typeface="Calibri" panose="020F0502020204030204" pitchFamily="34" charset="0"/>
+                <a:cs typeface="Calibri" panose="020F0502020204030204" pitchFamily="34" charset="0"/>
+              </a:rPr>
+              <a:t>Thanh toán online.</a:t>
+            </a:r>
+          </a:p>
+          <a:p>
+            <a:pPr marL="457200" marR="0" indent="-457200">
+              <a:spcBef>
+                <a:spcPts val="0"/>
+              </a:spcBef>
+              <a:spcAft>
+                <a:spcPts val="0"/>
+              </a:spcAft>
+              <a:buFont typeface="Arial" panose="020B0604020202020204" pitchFamily="34" charset="0"/>
+              <a:buChar char="•"/>
+            </a:pPr>
+            <a:r>
+              <a:rPr lang="en-US" sz="2800">
+                <a:latin typeface="Calibri" panose="020F0502020204030204" pitchFamily="34" charset="0"/>
+                <a:ea typeface="Calibri" panose="020F0502020204030204" pitchFamily="34" charset="0"/>
+                <a:cs typeface="Calibri" panose="020F0502020204030204" pitchFamily="34" charset="0"/>
+              </a:rPr>
+              <a:t>Cải thiện giao diện website.</a:t>
+            </a:r>
+          </a:p>
+        </p:txBody>
+      </p:sp>
+      <p:sp>
+        <p:nvSpPr>
+          <p:cNvPr id="2" name="TextBox 1">
+            <a:extLst>
+              <a:ext uri="{FF2B5EF4-FFF2-40B4-BE49-F238E27FC236}">
+                <a16:creationId xmlns:a16="http://schemas.microsoft.com/office/drawing/2014/main" id="{012931A3-660A-1B93-66DD-326AC55BE17B}"/>
+              </a:ext>
+            </a:extLst>
+          </p:cNvPr>
+          <p:cNvSpPr txBox="1"/>
+          <p:nvPr/>
+        </p:nvSpPr>
+        <p:spPr>
+          <a:xfrm>
+            <a:off x="546421" y="785527"/>
+            <a:ext cx="5874043" cy="920252"/>
+          </a:xfrm>
+          <a:prstGeom prst="rect">
+            <a:avLst/>
+          </a:prstGeom>
+          <a:noFill/>
+        </p:spPr>
+        <p:txBody>
+          <a:bodyPr wrap="square">
+            <a:spAutoFit/>
+          </a:bodyPr>
+          <a:lstStyle/>
+          <a:p>
+            <a:pPr marR="0">
+              <a:lnSpc>
+                <a:spcPct val="150000"/>
+              </a:lnSpc>
+              <a:spcBef>
+                <a:spcPts val="0"/>
+              </a:spcBef>
+              <a:spcAft>
+                <a:spcPts val="0"/>
+              </a:spcAft>
+            </a:pPr>
+            <a:r>
+              <a:rPr lang="en-US" sz="4000" b="1">
+                <a:solidFill>
+                  <a:srgbClr val="000000"/>
+                </a:solidFill>
+                <a:latin typeface="Tahoma" panose="020B0604030504040204" pitchFamily="34" charset="0"/>
+                <a:ea typeface="Tahoma" panose="020B0604030504040204" pitchFamily="34" charset="0"/>
+                <a:cs typeface="Tahoma" panose="020B0604030504040204" pitchFamily="34" charset="0"/>
+              </a:rPr>
+              <a:t>HƯỚNG PHÁT TRIỂN</a:t>
+            </a:r>
+            <a:endParaRPr lang="en-US" sz="4000">
+              <a:effectLst/>
+              <a:latin typeface="Tahoma" panose="020B0604030504040204" pitchFamily="34" charset="0"/>
+              <a:ea typeface="Tahoma" panose="020B0604030504040204" pitchFamily="34" charset="0"/>
+              <a:cs typeface="Tahoma" panose="020B0604030504040204" pitchFamily="34" charset="0"/>
+            </a:endParaRPr>
+          </a:p>
+        </p:txBody>
+      </p:sp>
+      <p:pic>
+        <p:nvPicPr>
+          <p:cNvPr id="3" name="Picture 2" descr="Development - Free business icons">
+            <a:extLst>
+              <a:ext uri="{FF2B5EF4-FFF2-40B4-BE49-F238E27FC236}">
+                <a16:creationId xmlns:a16="http://schemas.microsoft.com/office/drawing/2014/main" id="{96D9D01B-CEE5-AE70-7C28-50148E3D2A2F}"/>
+              </a:ext>
+            </a:extLst>
+          </p:cNvPr>
+          <p:cNvPicPr>
+            <a:picLocks noChangeAspect="1" noChangeArrowheads="1"/>
+          </p:cNvPicPr>
+          <p:nvPr/>
+        </p:nvPicPr>
+        <p:blipFill>
+          <a:blip r:embed="rId3">
+            <a:extLst>
+              <a:ext uri="{28A0092B-C50C-407E-A947-70E740481C1C}">
+                <a14:useLocalDpi xmlns:a14="http://schemas.microsoft.com/office/drawing/2010/main" val="0"/>
+              </a:ext>
+            </a:extLst>
+          </a:blip>
+          <a:srcRect/>
+          <a:stretch>
+            <a:fillRect/>
+          </a:stretch>
+        </p:blipFill>
+        <p:spPr bwMode="auto">
+          <a:xfrm>
+            <a:off x="7302046" y="1571055"/>
+            <a:ext cx="3404419" cy="3404419"/>
+          </a:xfrm>
+          <a:prstGeom prst="rect">
+            <a:avLst/>
+          </a:prstGeom>
+          <a:noFill/>
+          <a:extLst>
+            <a:ext uri="{909E8E84-426E-40DD-AFC4-6F175D3DCCD1}">
+              <a14:hiddenFill xmlns:a14="http://schemas.microsoft.com/office/drawing/2010/main">
+                <a:solidFill>
+                  <a:srgbClr val="FFFFFF"/>
+                </a:solidFill>
+              </a14:hiddenFill>
+            </a:ext>
+          </a:extLst>
+        </p:spPr>
+      </p:pic>
+    </p:spTree>
+    <p:extLst>
+      <p:ext uri="{BB962C8B-B14F-4D97-AF65-F5344CB8AC3E}">
+        <p14:creationId xmlns:p14="http://schemas.microsoft.com/office/powerpoint/2010/main" val="2622364386"/>
+      </p:ext>
+    </p:extLst>
+  </p:cSld>
+  <p:clrMapOvr>
+    <a:masterClrMapping/>
+  </p:clrMapOvr>
+</p:sld>
+</file>
+
+<file path=ppt/slides/slide17.xml><?xml version="1.0" encoding="utf-8"?>
+<p:sld xmlns:a="http://schemas.openxmlformats.org/drawingml/2006/main" xmlns:r="http://schemas.openxmlformats.org/officeDocument/2006/relationships" xmlns:p="http://schemas.openxmlformats.org/presentationml/2006/main">
+  <p:cSld>
+    <p:spTree>
+      <p:nvGrpSpPr>
+        <p:cNvPr id="1" name=""/>
+        <p:cNvGrpSpPr/>
+        <p:nvPr/>
+      </p:nvGrpSpPr>
+      <p:grpSpPr>
+        <a:xfrm>
+          <a:off x="0" y="0"/>
+          <a:ext cx="0" cy="0"/>
+          <a:chOff x="0" y="0"/>
+          <a:chExt cx="0" cy="0"/>
+        </a:xfrm>
+      </p:grpSpPr>
+      <p:sp>
+        <p:nvSpPr>
+          <p:cNvPr id="4" name="Slide Number Placeholder 3">
+            <a:extLst>
+              <a:ext uri="{FF2B5EF4-FFF2-40B4-BE49-F238E27FC236}">
+                <a16:creationId xmlns:a16="http://schemas.microsoft.com/office/drawing/2014/main" id="{7FD7F6F3-2944-B59F-2AF4-F1A84A5551EA}"/>
+              </a:ext>
+            </a:extLst>
+          </p:cNvPr>
+          <p:cNvSpPr>
+            <a:spLocks noGrp="1"/>
+          </p:cNvSpPr>
+          <p:nvPr>
+            <p:ph type="sldNum" sz="quarter" idx="12"/>
+          </p:nvPr>
+        </p:nvSpPr>
+        <p:spPr/>
+        <p:txBody>
+          <a:bodyPr/>
+          <a:lstStyle/>
+          <a:p>
+            <a:fld id="{D16EA1EE-1AB6-40C4-ADCB-7B395AD295B2}" type="slidenum">
+              <a:rPr lang="en-US" smtClean="0"/>
+              <a:t>17</a:t>
             </a:fld>
             <a:endParaRPr lang="en-US"/>
           </a:p>

--- a/thesis/Chuyên ngành - Nguyễn Hoàng Nhân - DA21TTA - 110121071.pptx
+++ b/thesis/Chuyên ngành - Nguyễn Hoàng Nhân - DA21TTA - 110121071.pptx
@@ -11533,224 +11533,6 @@
   <p:clrMapOvr>
     <a:masterClrMapping/>
   </p:clrMapOvr>
-  <p:timing>
-    <p:tnLst>
-      <p:par>
-        <p:cTn id="1" dur="indefinite" restart="never" nodeType="tmRoot">
-          <p:childTnLst>
-            <p:seq concurrent="1" nextAc="seek">
-              <p:cTn id="2" dur="indefinite" nodeType="mainSeq">
-                <p:childTnLst>
-                  <p:par>
-                    <p:cTn id="3" fill="hold">
-                      <p:stCondLst>
-                        <p:cond delay="indefinite"/>
-                      </p:stCondLst>
-                      <p:childTnLst>
-                        <p:par>
-                          <p:cTn id="4" fill="hold">
-                            <p:stCondLst>
-                              <p:cond delay="0"/>
-                            </p:stCondLst>
-                            <p:childTnLst>
-                              <p:par>
-                                <p:cTn id="5" presetID="2" presetClass="entr" presetSubtype="4" fill="hold" nodeType="clickEffect">
-                                  <p:stCondLst>
-                                    <p:cond delay="0"/>
-                                  </p:stCondLst>
-                                  <p:childTnLst>
-                                    <p:set>
-                                      <p:cBhvr>
-                                        <p:cTn id="6" dur="1" fill="hold">
-                                          <p:stCondLst>
-                                            <p:cond delay="0"/>
-                                          </p:stCondLst>
-                                        </p:cTn>
-                                        <p:tgtEl>
-                                          <p:spTgt spid="17">
-                                            <p:txEl>
-                                              <p:pRg st="0" end="0"/>
-                                            </p:txEl>
-                                          </p:spTgt>
-                                        </p:tgtEl>
-                                        <p:attrNameLst>
-                                          <p:attrName>style.visibility</p:attrName>
-                                        </p:attrNameLst>
-                                      </p:cBhvr>
-                                      <p:to>
-                                        <p:strVal val="visible"/>
-                                      </p:to>
-                                    </p:set>
-                                    <p:anim calcmode="lin" valueType="num">
-                                      <p:cBhvr additive="base">
-                                        <p:cTn id="7" dur="500" fill="hold"/>
-                                        <p:tgtEl>
-                                          <p:spTgt spid="17">
-                                            <p:txEl>
-                                              <p:pRg st="0" end="0"/>
-                                            </p:txEl>
-                                          </p:spTgt>
-                                        </p:tgtEl>
-                                        <p:attrNameLst>
-                                          <p:attrName>ppt_x</p:attrName>
-                                        </p:attrNameLst>
-                                      </p:cBhvr>
-                                      <p:tavLst>
-                                        <p:tav tm="0">
-                                          <p:val>
-                                            <p:strVal val="#ppt_x"/>
-                                          </p:val>
-                                        </p:tav>
-                                        <p:tav tm="100000">
-                                          <p:val>
-                                            <p:strVal val="#ppt_x"/>
-                                          </p:val>
-                                        </p:tav>
-                                      </p:tavLst>
-                                    </p:anim>
-                                    <p:anim calcmode="lin" valueType="num">
-                                      <p:cBhvr additive="base">
-                                        <p:cTn id="8" dur="500" fill="hold"/>
-                                        <p:tgtEl>
-                                          <p:spTgt spid="17">
-                                            <p:txEl>
-                                              <p:pRg st="0" end="0"/>
-                                            </p:txEl>
-                                          </p:spTgt>
-                                        </p:tgtEl>
-                                        <p:attrNameLst>
-                                          <p:attrName>ppt_y</p:attrName>
-                                        </p:attrNameLst>
-                                      </p:cBhvr>
-                                      <p:tavLst>
-                                        <p:tav tm="0">
-                                          <p:val>
-                                            <p:strVal val="1+#ppt_h/2"/>
-                                          </p:val>
-                                        </p:tav>
-                                        <p:tav tm="100000">
-                                          <p:val>
-                                            <p:strVal val="#ppt_y"/>
-                                          </p:val>
-                                        </p:tav>
-                                      </p:tavLst>
-                                    </p:anim>
-                                  </p:childTnLst>
-                                </p:cTn>
-                              </p:par>
-                              <p:par>
-                                <p:cTn id="9" presetID="2" presetClass="entr" presetSubtype="4" fill="hold" nodeType="withEffect">
-                                  <p:stCondLst>
-                                    <p:cond delay="0"/>
-                                  </p:stCondLst>
-                                  <p:childTnLst>
-                                    <p:set>
-                                      <p:cBhvr>
-                                        <p:cTn id="10" dur="1" fill="hold">
-                                          <p:stCondLst>
-                                            <p:cond delay="0"/>
-                                          </p:stCondLst>
-                                        </p:cTn>
-                                        <p:tgtEl>
-                                          <p:spTgt spid="17">
-                                            <p:txEl>
-                                              <p:pRg st="1" end="1"/>
-                                            </p:txEl>
-                                          </p:spTgt>
-                                        </p:tgtEl>
-                                        <p:attrNameLst>
-                                          <p:attrName>style.visibility</p:attrName>
-                                        </p:attrNameLst>
-                                      </p:cBhvr>
-                                      <p:to>
-                                        <p:strVal val="visible"/>
-                                      </p:to>
-                                    </p:set>
-                                    <p:anim calcmode="lin" valueType="num">
-                                      <p:cBhvr additive="base">
-                                        <p:cTn id="11" dur="500" fill="hold"/>
-                                        <p:tgtEl>
-                                          <p:spTgt spid="17">
-                                            <p:txEl>
-                                              <p:pRg st="1" end="1"/>
-                                            </p:txEl>
-                                          </p:spTgt>
-                                        </p:tgtEl>
-                                        <p:attrNameLst>
-                                          <p:attrName>ppt_x</p:attrName>
-                                        </p:attrNameLst>
-                                      </p:cBhvr>
-                                      <p:tavLst>
-                                        <p:tav tm="0">
-                                          <p:val>
-                                            <p:strVal val="#ppt_x"/>
-                                          </p:val>
-                                        </p:tav>
-                                        <p:tav tm="100000">
-                                          <p:val>
-                                            <p:strVal val="#ppt_x"/>
-                                          </p:val>
-                                        </p:tav>
-                                      </p:tavLst>
-                                    </p:anim>
-                                    <p:anim calcmode="lin" valueType="num">
-                                      <p:cBhvr additive="base">
-                                        <p:cTn id="12" dur="500" fill="hold"/>
-                                        <p:tgtEl>
-                                          <p:spTgt spid="17">
-                                            <p:txEl>
-                                              <p:pRg st="1" end="1"/>
-                                            </p:txEl>
-                                          </p:spTgt>
-                                        </p:tgtEl>
-                                        <p:attrNameLst>
-                                          <p:attrName>ppt_y</p:attrName>
-                                        </p:attrNameLst>
-                                      </p:cBhvr>
-                                      <p:tavLst>
-                                        <p:tav tm="0">
-                                          <p:val>
-                                            <p:strVal val="1+#ppt_h/2"/>
-                                          </p:val>
-                                        </p:tav>
-                                        <p:tav tm="100000">
-                                          <p:val>
-                                            <p:strVal val="#ppt_y"/>
-                                          </p:val>
-                                        </p:tav>
-                                      </p:tavLst>
-                                    </p:anim>
-                                  </p:childTnLst>
-                                </p:cTn>
-                              </p:par>
-                            </p:childTnLst>
-                          </p:cTn>
-                        </p:par>
-                      </p:childTnLst>
-                    </p:cTn>
-                  </p:par>
-                </p:childTnLst>
-              </p:cTn>
-              <p:prevCondLst>
-                <p:cond evt="onPrev" delay="0">
-                  <p:tgtEl>
-                    <p:sldTgt/>
-                  </p:tgtEl>
-                </p:cond>
-              </p:prevCondLst>
-              <p:nextCondLst>
-                <p:cond evt="onNext" delay="0">
-                  <p:tgtEl>
-                    <p:sldTgt/>
-                  </p:tgtEl>
-                </p:cond>
-              </p:nextCondLst>
-            </p:seq>
-          </p:childTnLst>
-        </p:cTn>
-      </p:par>
-    </p:tnLst>
-  </p:timing>
 </p:sld>
 </file>
 
@@ -15093,56 +14875,6 @@
           </a:extLst>
         </p:spPr>
       </p:pic>
-      <p:sp>
-        <p:nvSpPr>
-          <p:cNvPr id="13" name="TextBox 12">
-            <a:extLst>
-              <a:ext uri="{FF2B5EF4-FFF2-40B4-BE49-F238E27FC236}">
-                <a16:creationId xmlns:a16="http://schemas.microsoft.com/office/drawing/2014/main" id="{1BB3650B-92F5-FAFD-CDE5-2891733F9D2F}"/>
-              </a:ext>
-            </a:extLst>
-          </p:cNvPr>
-          <p:cNvSpPr txBox="1"/>
-          <p:nvPr/>
-        </p:nvSpPr>
-        <p:spPr>
-          <a:xfrm>
-            <a:off x="6230503" y="5128495"/>
-            <a:ext cx="5123297" cy="451406"/>
-          </a:xfrm>
-          <a:prstGeom prst="rect">
-            <a:avLst/>
-          </a:prstGeom>
-          <a:noFill/>
-        </p:spPr>
-        <p:txBody>
-          <a:bodyPr wrap="square" rtlCol="0">
-            <a:spAutoFit/>
-          </a:bodyPr>
-          <a:lstStyle/>
-          <a:p>
-            <a:pPr>
-              <a:lnSpc>
-                <a:spcPct val="150000"/>
-              </a:lnSpc>
-              <a:spcBef>
-                <a:spcPts val="600"/>
-              </a:spcBef>
-              <a:spcAft>
-                <a:spcPts val="600"/>
-              </a:spcAft>
-            </a:pPr>
-            <a:r>
-              <a:rPr lang="en-US">
-                <a:latin typeface="Tahoma" panose="020B0604030504040204" pitchFamily="34" charset="0"/>
-                <a:ea typeface="Tahoma" panose="020B0604030504040204" pitchFamily="34" charset="0"/>
-                <a:cs typeface="Tahoma" panose="020B0604030504040204" pitchFamily="34" charset="0"/>
-              </a:rPr>
-              <a:t>Nguyễn Hoàng Nhân - DA21TTA - 110121071</a:t>
-            </a:r>
-          </a:p>
-        </p:txBody>
-      </p:sp>
     </p:spTree>
     <p:extLst>
       <p:ext uri="{BB962C8B-B14F-4D97-AF65-F5344CB8AC3E}">
@@ -16167,7 +15899,7 @@
         <p:spPr>
           <a:xfrm>
             <a:off x="546422" y="1849915"/>
-            <a:ext cx="11340778" cy="3539430"/>
+            <a:ext cx="11340778" cy="4030655"/>
           </a:xfrm>
           <a:prstGeom prst="rect">
             <a:avLst/>
@@ -16181,56 +15913,65 @@
           <a:lstStyle/>
           <a:p>
             <a:pPr marR="0" indent="457200">
+              <a:lnSpc>
+                <a:spcPct val="150000"/>
+              </a:lnSpc>
               <a:spcBef>
-                <a:spcPts val="0"/>
+                <a:spcPts val="600"/>
               </a:spcBef>
               <a:spcAft>
-                <a:spcPts val="0"/>
+                <a:spcPts val="600"/>
               </a:spcAft>
             </a:pPr>
             <a:r>
-              <a:rPr lang="en-US" sz="2800">
+              <a:rPr lang="en-US" sz="2000">
                 <a:effectLst/>
-                <a:latin typeface="Calibri" panose="020F0502020204030204" pitchFamily="34" charset="0"/>
-                <a:ea typeface="Calibri" panose="020F0502020204030204" pitchFamily="34" charset="0"/>
-                <a:cs typeface="Calibri" panose="020F0502020204030204" pitchFamily="34" charset="0"/>
+                <a:latin typeface="Tahoma" panose="020B0604030504040204" pitchFamily="34" charset="0"/>
+                <a:ea typeface="Tahoma" panose="020B0604030504040204" pitchFamily="34" charset="0"/>
+                <a:cs typeface="Tahoma" panose="020B0604030504040204" pitchFamily="34" charset="0"/>
               </a:rPr>
               <a:t>Xây dựng website bán điện thoại bằng Express có các chức năng cơ bản của một website thương mại điện tử thông thường gồm quản lý sản phẩm, quản lý giỏ hang, quản lý người dùng và quản lý đơn hàng.</a:t>
             </a:r>
           </a:p>
           <a:p>
             <a:pPr marR="0" indent="457200">
+              <a:lnSpc>
+                <a:spcPct val="150000"/>
+              </a:lnSpc>
               <a:spcBef>
-                <a:spcPts val="0"/>
+                <a:spcPts val="600"/>
               </a:spcBef>
               <a:spcAft>
-                <a:spcPts val="0"/>
+                <a:spcPts val="600"/>
               </a:spcAft>
             </a:pPr>
             <a:r>
-              <a:rPr lang="en-US" sz="2800">
-                <a:latin typeface="Calibri" panose="020F0502020204030204" pitchFamily="34" charset="0"/>
-                <a:ea typeface="Calibri" panose="020F0502020204030204" pitchFamily="34" charset="0"/>
-                <a:cs typeface="Calibri" panose="020F0502020204030204" pitchFamily="34" charset="0"/>
+              <a:rPr lang="en-US" sz="2000">
+                <a:latin typeface="Tahoma" panose="020B0604030504040204" pitchFamily="34" charset="0"/>
+                <a:ea typeface="Tahoma" panose="020B0604030504040204" pitchFamily="34" charset="0"/>
+                <a:cs typeface="Tahoma" panose="020B0604030504040204" pitchFamily="34" charset="0"/>
               </a:rPr>
               <a:t>Website sử dụng Nodejs và ExpressJS để làm backend, Reactjs làm frontend và cơ sở dữ liệu dùng MySQL. Ngoài ra còn sử dụng một số thư viện để thiết kế giao diện như Bootstrap và Material UI.</a:t>
             </a:r>
           </a:p>
           <a:p>
             <a:pPr marR="0" indent="457200">
+              <a:lnSpc>
+                <a:spcPct val="150000"/>
+              </a:lnSpc>
               <a:spcBef>
-                <a:spcPts val="0"/>
+                <a:spcPts val="600"/>
               </a:spcBef>
               <a:spcAft>
-                <a:spcPts val="0"/>
+                <a:spcPts val="600"/>
               </a:spcAft>
             </a:pPr>
             <a:r>
-              <a:rPr lang="en-US" sz="2800">
+              <a:rPr lang="en-US" sz="2000">
                 <a:effectLst/>
-                <a:latin typeface="Calibri" panose="020F0502020204030204" pitchFamily="34" charset="0"/>
-                <a:ea typeface="Calibri" panose="020F0502020204030204" pitchFamily="34" charset="0"/>
-                <a:cs typeface="Calibri" panose="020F0502020204030204" pitchFamily="34" charset="0"/>
+                <a:latin typeface="Tahoma" panose="020B0604030504040204" pitchFamily="34" charset="0"/>
+                <a:ea typeface="Tahoma" panose="020B0604030504040204" pitchFamily="34" charset="0"/>
+                <a:cs typeface="Tahoma" panose="020B0604030504040204" pitchFamily="34" charset="0"/>
               </a:rPr>
               <a:t>Sản phẩm cuối cùng là một website thương mại điện tử bán điện thoại có các chức năng như đăng nhập, đăng ký, mua sản phẩm, thêm giỏ hàng.</a:t>
             </a:r>
